--- a/PPTs/Surah Yaseen.pptx
+++ b/PPTs/Surah Yaseen.pptx
@@ -211,7 +211,7 @@
       </p15:sldGuideLst>
     </p:ext>
     <p:ext uri="http://customooxmlschemas.google.com/">
-      <go:slidesCustomData xmlns="" xmlns:mc="http://schemas.openxmlformats.org/markup-compatibility/2006" xmlns:mv="urn:schemas-microsoft-com:mac:vml" xmlns:c="http://schemas.openxmlformats.org/drawingml/2006/chart" xmlns:dgm="http://schemas.openxmlformats.org/drawingml/2006/diagram" xmlns:o="urn:schemas-microsoft-com:office:office" xmlns:v="urn:schemas-microsoft-com:vml" xmlns:pvml="urn:schemas-microsoft-com:office:powerpoint" xmlns:com="http://schemas.openxmlformats.org/drawingml/2006/compatibility" xmlns:p14="http://schemas.microsoft.com/office/powerpoint/2010/main" xmlns:p15="http://schemas.microsoft.com/office/powerpoint/2012/main" xmlns:ahyp="http://schemas.microsoft.com/office/drawing/2018/hyperlinkcolor" xmlns:go="http://customooxmlschemas.google.com/" r:id="rId97" roundtripDataSignature="AMtx7mgIZbOWw9L6mHKAiFYRw3XXwlu9nQ=="/>
+      <go:slidesCustomData xmlns:go="http://customooxmlschemas.google.com/" xmlns:ahyp="http://schemas.microsoft.com/office/drawing/2018/hyperlinkcolor" xmlns:p15="http://schemas.microsoft.com/office/powerpoint/2012/main" xmlns:p14="http://schemas.microsoft.com/office/powerpoint/2010/main" xmlns:com="http://schemas.openxmlformats.org/drawingml/2006/compatibility" xmlns:pvml="urn:schemas-microsoft-com:office:powerpoint" xmlns:v="urn:schemas-microsoft-com:vml" xmlns:o="urn:schemas-microsoft-com:office:office" xmlns:dgm="http://schemas.openxmlformats.org/drawingml/2006/diagram" xmlns:c="http://schemas.openxmlformats.org/drawingml/2006/chart" xmlns:mv="urn:schemas-microsoft-com:mac:vml" xmlns:mc="http://schemas.openxmlformats.org/markup-compatibility/2006" xmlns="" r:id="rId97" roundtripDataSignature="AMtx7mgIZbOWw9L6mHKAiFYRw3XXwlu9nQ=="/>
     </p:ext>
   </p:extLst>
 </p:presentation>
@@ -10376,13 +10376,13 @@
   <p:clrMapOvr>
     <a:masterClrMapping/>
   </p:clrMapOvr>
-  <mc:AlternateContent xmlns:mc="http://schemas.openxmlformats.org/markup-compatibility/2006">
-    <mc:Choice xmlns:p14="http://schemas.microsoft.com/office/powerpoint/2010/main" Requires="p14">
+  <mc:AlternateContent xmlns:mc="http://schemas.openxmlformats.org/markup-compatibility/2006" xmlns:p14="http://schemas.microsoft.com/office/powerpoint/2010/main">
+    <mc:Choice Requires="p14">
       <p:transition p14:dur="300">
         <p:fade/>
       </p:transition>
     </mc:Choice>
-    <mc:Fallback>
+    <mc:Fallback xmlns="">
       <p:transition>
         <p:fade/>
       </p:transition>
@@ -10635,13 +10635,13 @@
   <p:clrMapOvr>
     <a:masterClrMapping/>
   </p:clrMapOvr>
-  <mc:AlternateContent xmlns:mc="http://schemas.openxmlformats.org/markup-compatibility/2006">
-    <mc:Choice xmlns:p14="http://schemas.microsoft.com/office/powerpoint/2010/main" Requires="p14">
+  <mc:AlternateContent xmlns:mc="http://schemas.openxmlformats.org/markup-compatibility/2006" xmlns:p14="http://schemas.microsoft.com/office/powerpoint/2010/main">
+    <mc:Choice Requires="p14">
       <p:transition p14:dur="300">
         <p:fade/>
       </p:transition>
     </mc:Choice>
-    <mc:Fallback>
+    <mc:Fallback xmlns="">
       <p:transition>
         <p:fade/>
       </p:transition>
@@ -10888,13 +10888,13 @@
   <p:clrMapOvr>
     <a:masterClrMapping/>
   </p:clrMapOvr>
-  <mc:AlternateContent xmlns:mc="http://schemas.openxmlformats.org/markup-compatibility/2006">
-    <mc:Choice xmlns:p14="http://schemas.microsoft.com/office/powerpoint/2010/main" Requires="p14">
+  <mc:AlternateContent xmlns:mc="http://schemas.openxmlformats.org/markup-compatibility/2006" xmlns:p14="http://schemas.microsoft.com/office/powerpoint/2010/main">
+    <mc:Choice Requires="p14">
       <p:transition p14:dur="300">
         <p:fade/>
       </p:transition>
     </mc:Choice>
-    <mc:Fallback>
+    <mc:Fallback xmlns="">
       <p:transition>
         <p:fade/>
       </p:transition>
@@ -11129,13 +11129,13 @@
   <p:clrMapOvr>
     <a:masterClrMapping/>
   </p:clrMapOvr>
-  <mc:AlternateContent xmlns:mc="http://schemas.openxmlformats.org/markup-compatibility/2006">
-    <mc:Choice xmlns:p14="http://schemas.microsoft.com/office/powerpoint/2010/main" Requires="p14">
+  <mc:AlternateContent xmlns:mc="http://schemas.openxmlformats.org/markup-compatibility/2006" xmlns:p14="http://schemas.microsoft.com/office/powerpoint/2010/main">
+    <mc:Choice Requires="p14">
       <p:transition p14:dur="300">
         <p:fade/>
       </p:transition>
     </mc:Choice>
-    <mc:Fallback>
+    <mc:Fallback xmlns="">
       <p:transition>
         <p:fade/>
       </p:transition>
@@ -11368,13 +11368,13 @@
   <p:clrMapOvr>
     <a:masterClrMapping/>
   </p:clrMapOvr>
-  <mc:AlternateContent xmlns:mc="http://schemas.openxmlformats.org/markup-compatibility/2006">
-    <mc:Choice xmlns:p14="http://schemas.microsoft.com/office/powerpoint/2010/main" Requires="p14">
+  <mc:AlternateContent xmlns:mc="http://schemas.openxmlformats.org/markup-compatibility/2006" xmlns:p14="http://schemas.microsoft.com/office/powerpoint/2010/main">
+    <mc:Choice Requires="p14">
       <p:transition p14:dur="300">
         <p:fade/>
       </p:transition>
     </mc:Choice>
-    <mc:Fallback>
+    <mc:Fallback xmlns="">
       <p:transition>
         <p:fade/>
       </p:transition>
@@ -11610,13 +11610,13 @@
   <p:clrMapOvr>
     <a:masterClrMapping/>
   </p:clrMapOvr>
-  <mc:AlternateContent xmlns:mc="http://schemas.openxmlformats.org/markup-compatibility/2006">
-    <mc:Choice xmlns:p14="http://schemas.microsoft.com/office/powerpoint/2010/main" Requires="p14">
+  <mc:AlternateContent xmlns:mc="http://schemas.openxmlformats.org/markup-compatibility/2006" xmlns:p14="http://schemas.microsoft.com/office/powerpoint/2010/main">
+    <mc:Choice Requires="p14">
       <p:transition p14:dur="300">
         <p:fade/>
       </p:transition>
     </mc:Choice>
-    <mc:Fallback>
+    <mc:Fallback xmlns="">
       <p:transition>
         <p:fade/>
       </p:transition>
@@ -11950,13 +11950,13 @@
   <p:clrMapOvr>
     <a:masterClrMapping/>
   </p:clrMapOvr>
-  <mc:AlternateContent xmlns:mc="http://schemas.openxmlformats.org/markup-compatibility/2006">
-    <mc:Choice xmlns:p14="http://schemas.microsoft.com/office/powerpoint/2010/main" Requires="p14">
+  <mc:AlternateContent xmlns:mc="http://schemas.openxmlformats.org/markup-compatibility/2006" xmlns:p14="http://schemas.microsoft.com/office/powerpoint/2010/main">
+    <mc:Choice Requires="p14">
       <p:transition p14:dur="300">
         <p:fade/>
       </p:transition>
     </mc:Choice>
-    <mc:Fallback>
+    <mc:Fallback xmlns="">
       <p:transition>
         <p:fade/>
       </p:transition>
@@ -12420,13 +12420,13 @@
   <p:clrMapOvr>
     <a:masterClrMapping/>
   </p:clrMapOvr>
-  <mc:AlternateContent xmlns:mc="http://schemas.openxmlformats.org/markup-compatibility/2006">
-    <mc:Choice xmlns:p14="http://schemas.microsoft.com/office/powerpoint/2010/main" Requires="p14">
+  <mc:AlternateContent xmlns:mc="http://schemas.openxmlformats.org/markup-compatibility/2006" xmlns:p14="http://schemas.microsoft.com/office/powerpoint/2010/main">
+    <mc:Choice Requires="p14">
       <p:transition p14:dur="300">
         <p:fade/>
       </p:transition>
     </mc:Choice>
-    <mc:Fallback>
+    <mc:Fallback xmlns="">
       <p:transition>
         <p:fade/>
       </p:transition>
@@ -12592,13 +12592,13 @@
   <p:clrMapOvr>
     <a:masterClrMapping/>
   </p:clrMapOvr>
-  <mc:AlternateContent xmlns:mc="http://schemas.openxmlformats.org/markup-compatibility/2006">
-    <mc:Choice xmlns:p14="http://schemas.microsoft.com/office/powerpoint/2010/main" Requires="p14">
+  <mc:AlternateContent xmlns:mc="http://schemas.openxmlformats.org/markup-compatibility/2006" xmlns:p14="http://schemas.microsoft.com/office/powerpoint/2010/main">
+    <mc:Choice Requires="p14">
       <p:transition p14:dur="300">
         <p:fade/>
       </p:transition>
     </mc:Choice>
-    <mc:Fallback>
+    <mc:Fallback xmlns="">
       <p:transition>
         <p:fade/>
       </p:transition>
@@ -12738,13 +12738,13 @@
   <p:clrMapOvr>
     <a:masterClrMapping/>
   </p:clrMapOvr>
-  <mc:AlternateContent xmlns:mc="http://schemas.openxmlformats.org/markup-compatibility/2006">
-    <mc:Choice xmlns:p14="http://schemas.microsoft.com/office/powerpoint/2010/main" Requires="p14">
+  <mc:AlternateContent xmlns:mc="http://schemas.openxmlformats.org/markup-compatibility/2006" xmlns:p14="http://schemas.microsoft.com/office/powerpoint/2010/main">
+    <mc:Choice Requires="p14">
       <p:transition p14:dur="300">
         <p:fade/>
       </p:transition>
     </mc:Choice>
-    <mc:Fallback>
+    <mc:Fallback xmlns="">
       <p:transition>
         <p:fade/>
       </p:transition>
@@ -13064,13 +13064,13 @@
   <p:clrMapOvr>
     <a:masterClrMapping/>
   </p:clrMapOvr>
-  <mc:AlternateContent xmlns:mc="http://schemas.openxmlformats.org/markup-compatibility/2006">
-    <mc:Choice xmlns:p14="http://schemas.microsoft.com/office/powerpoint/2010/main" Requires="p14">
+  <mc:AlternateContent xmlns:mc="http://schemas.openxmlformats.org/markup-compatibility/2006" xmlns:p14="http://schemas.microsoft.com/office/powerpoint/2010/main">
+    <mc:Choice Requires="p14">
       <p:transition p14:dur="300">
         <p:fade/>
       </p:transition>
     </mc:Choice>
-    <mc:Fallback>
+    <mc:Fallback xmlns="">
       <p:transition>
         <p:fade/>
       </p:transition>
@@ -13307,13 +13307,13 @@
   <p:clrMapOvr>
     <a:masterClrMapping/>
   </p:clrMapOvr>
-  <mc:AlternateContent xmlns:mc="http://schemas.openxmlformats.org/markup-compatibility/2006">
-    <mc:Choice xmlns:p14="http://schemas.microsoft.com/office/powerpoint/2010/main" Requires="p14">
+  <mc:AlternateContent xmlns:mc="http://schemas.openxmlformats.org/markup-compatibility/2006" xmlns:p14="http://schemas.microsoft.com/office/powerpoint/2010/main">
+    <mc:Choice Requires="p14">
       <p:transition p14:dur="300">
         <p:fade/>
       </p:transition>
     </mc:Choice>
-    <mc:Fallback>
+    <mc:Fallback xmlns="">
       <p:transition>
         <p:fade/>
       </p:transition>
@@ -13611,13 +13611,13 @@
   <p:clrMapOvr>
     <a:masterClrMapping/>
   </p:clrMapOvr>
-  <mc:AlternateContent xmlns:mc="http://schemas.openxmlformats.org/markup-compatibility/2006">
-    <mc:Choice xmlns:p14="http://schemas.microsoft.com/office/powerpoint/2010/main" Requires="p14">
+  <mc:AlternateContent xmlns:mc="http://schemas.openxmlformats.org/markup-compatibility/2006" xmlns:p14="http://schemas.microsoft.com/office/powerpoint/2010/main">
+    <mc:Choice Requires="p14">
       <p:transition p14:dur="300">
         <p:fade/>
       </p:transition>
     </mc:Choice>
-    <mc:Fallback>
+    <mc:Fallback xmlns="">
       <p:transition>
         <p:fade/>
       </p:transition>
@@ -13850,13 +13850,13 @@
   <p:clrMapOvr>
     <a:masterClrMapping/>
   </p:clrMapOvr>
-  <mc:AlternateContent xmlns:mc="http://schemas.openxmlformats.org/markup-compatibility/2006">
-    <mc:Choice xmlns:p14="http://schemas.microsoft.com/office/powerpoint/2010/main" Requires="p14">
+  <mc:AlternateContent xmlns:mc="http://schemas.openxmlformats.org/markup-compatibility/2006" xmlns:p14="http://schemas.microsoft.com/office/powerpoint/2010/main">
+    <mc:Choice Requires="p14">
       <p:transition p14:dur="300">
         <p:fade/>
       </p:transition>
     </mc:Choice>
-    <mc:Fallback>
+    <mc:Fallback xmlns="">
       <p:transition>
         <p:fade/>
       </p:transition>
@@ -14099,13 +14099,13 @@
   <p:clrMapOvr>
     <a:masterClrMapping/>
   </p:clrMapOvr>
-  <mc:AlternateContent xmlns:mc="http://schemas.openxmlformats.org/markup-compatibility/2006">
-    <mc:Choice xmlns:p14="http://schemas.microsoft.com/office/powerpoint/2010/main" Requires="p14">
+  <mc:AlternateContent xmlns:mc="http://schemas.openxmlformats.org/markup-compatibility/2006" xmlns:p14="http://schemas.microsoft.com/office/powerpoint/2010/main">
+    <mc:Choice Requires="p14">
       <p:transition p14:dur="300">
         <p:fade/>
       </p:transition>
     </mc:Choice>
-    <mc:Fallback>
+    <mc:Fallback xmlns="">
       <p:transition>
         <p:fade/>
       </p:transition>
@@ -14234,13 +14234,13 @@
   <p:clrMapOvr>
     <a:masterClrMapping/>
   </p:clrMapOvr>
-  <mc:AlternateContent xmlns:mc="http://schemas.openxmlformats.org/markup-compatibility/2006">
-    <mc:Choice xmlns:p14="http://schemas.microsoft.com/office/powerpoint/2010/main" Requires="p14">
+  <mc:AlternateContent xmlns:mc="http://schemas.openxmlformats.org/markup-compatibility/2006" xmlns:p14="http://schemas.microsoft.com/office/powerpoint/2010/main">
+    <mc:Choice Requires="p14">
       <p:transition p14:dur="300">
         <p:fade/>
       </p:transition>
     </mc:Choice>
-    <mc:Fallback>
+    <mc:Fallback xmlns="">
       <p:transition>
         <p:fade/>
       </p:transition>
@@ -14479,13 +14479,13 @@
   <p:clrMapOvr>
     <a:masterClrMapping/>
   </p:clrMapOvr>
-  <mc:AlternateContent xmlns:mc="http://schemas.openxmlformats.org/markup-compatibility/2006">
-    <mc:Choice xmlns:p14="http://schemas.microsoft.com/office/powerpoint/2010/main" Requires="p14">
+  <mc:AlternateContent xmlns:mc="http://schemas.openxmlformats.org/markup-compatibility/2006" xmlns:p14="http://schemas.microsoft.com/office/powerpoint/2010/main">
+    <mc:Choice Requires="p14">
       <p:transition p14:dur="300">
         <p:fade/>
       </p:transition>
     </mc:Choice>
-    <mc:Fallback>
+    <mc:Fallback xmlns="">
       <p:transition>
         <p:fade/>
       </p:transition>
@@ -14824,13 +14824,13 @@
   <p:clrMapOvr>
     <a:masterClrMapping/>
   </p:clrMapOvr>
-  <mc:AlternateContent xmlns:mc="http://schemas.openxmlformats.org/markup-compatibility/2006">
-    <mc:Choice xmlns:p14="http://schemas.microsoft.com/office/powerpoint/2010/main" Requires="p14">
+  <mc:AlternateContent xmlns:mc="http://schemas.openxmlformats.org/markup-compatibility/2006" xmlns:p14="http://schemas.microsoft.com/office/powerpoint/2010/main">
+    <mc:Choice Requires="p14">
       <p:transition p14:dur="300">
         <p:fade/>
       </p:transition>
     </mc:Choice>
-    <mc:Fallback>
+    <mc:Fallback xmlns="">
       <p:transition>
         <p:fade/>
       </p:transition>
@@ -15299,13 +15299,13 @@
   <p:clrMapOvr>
     <a:masterClrMapping/>
   </p:clrMapOvr>
-  <mc:AlternateContent xmlns:mc="http://schemas.openxmlformats.org/markup-compatibility/2006">
-    <mc:Choice xmlns:p14="http://schemas.microsoft.com/office/powerpoint/2010/main" Requires="p14">
+  <mc:AlternateContent xmlns:mc="http://schemas.openxmlformats.org/markup-compatibility/2006" xmlns:p14="http://schemas.microsoft.com/office/powerpoint/2010/main">
+    <mc:Choice Requires="p14">
       <p:transition p14:dur="300">
         <p:fade/>
       </p:transition>
     </mc:Choice>
-    <mc:Fallback>
+    <mc:Fallback xmlns="">
       <p:transition>
         <p:fade/>
       </p:transition>
@@ -15474,13 +15474,13 @@
   <p:clrMapOvr>
     <a:masterClrMapping/>
   </p:clrMapOvr>
-  <mc:AlternateContent xmlns:mc="http://schemas.openxmlformats.org/markup-compatibility/2006">
-    <mc:Choice xmlns:p14="http://schemas.microsoft.com/office/powerpoint/2010/main" Requires="p14">
+  <mc:AlternateContent xmlns:mc="http://schemas.openxmlformats.org/markup-compatibility/2006" xmlns:p14="http://schemas.microsoft.com/office/powerpoint/2010/main">
+    <mc:Choice Requires="p14">
       <p:transition p14:dur="300">
         <p:fade/>
       </p:transition>
     </mc:Choice>
-    <mc:Fallback>
+    <mc:Fallback xmlns="">
       <p:transition>
         <p:fade/>
       </p:transition>
@@ -15622,13 +15622,13 @@
   <p:clrMapOvr>
     <a:masterClrMapping/>
   </p:clrMapOvr>
-  <mc:AlternateContent xmlns:mc="http://schemas.openxmlformats.org/markup-compatibility/2006">
-    <mc:Choice xmlns:p14="http://schemas.microsoft.com/office/powerpoint/2010/main" Requires="p14">
+  <mc:AlternateContent xmlns:mc="http://schemas.openxmlformats.org/markup-compatibility/2006" xmlns:p14="http://schemas.microsoft.com/office/powerpoint/2010/main">
+    <mc:Choice Requires="p14">
       <p:transition p14:dur="300">
         <p:fade/>
       </p:transition>
     </mc:Choice>
-    <mc:Fallback>
+    <mc:Fallback xmlns="">
       <p:transition>
         <p:fade/>
       </p:transition>
@@ -15952,13 +15952,13 @@
   <p:clrMapOvr>
     <a:masterClrMapping/>
   </p:clrMapOvr>
-  <mc:AlternateContent xmlns:mc="http://schemas.openxmlformats.org/markup-compatibility/2006">
-    <mc:Choice xmlns:p14="http://schemas.microsoft.com/office/powerpoint/2010/main" Requires="p14">
+  <mc:AlternateContent xmlns:mc="http://schemas.openxmlformats.org/markup-compatibility/2006" xmlns:p14="http://schemas.microsoft.com/office/powerpoint/2010/main">
+    <mc:Choice Requires="p14">
       <p:transition p14:dur="300">
         <p:fade/>
       </p:transition>
     </mc:Choice>
-    <mc:Fallback>
+    <mc:Fallback xmlns="">
       <p:transition>
         <p:fade/>
       </p:transition>
@@ -16263,13 +16263,13 @@
   <p:clrMapOvr>
     <a:masterClrMapping/>
   </p:clrMapOvr>
-  <mc:AlternateContent xmlns:mc="http://schemas.openxmlformats.org/markup-compatibility/2006">
-    <mc:Choice xmlns:p14="http://schemas.microsoft.com/office/powerpoint/2010/main" Requires="p14">
+  <mc:AlternateContent xmlns:mc="http://schemas.openxmlformats.org/markup-compatibility/2006" xmlns:p14="http://schemas.microsoft.com/office/powerpoint/2010/main">
+    <mc:Choice Requires="p14">
       <p:transition p14:dur="300">
         <p:fade/>
       </p:transition>
     </mc:Choice>
-    <mc:Fallback>
+    <mc:Fallback xmlns="">
       <p:transition>
         <p:fade/>
       </p:transition>
@@ -16756,13 +16756,13 @@
     <p:sldLayoutId id="2147483670" r:id="rId10"/>
     <p:sldLayoutId id="2147483671" r:id="rId11"/>
   </p:sldLayoutIdLst>
-  <mc:AlternateContent xmlns:mc="http://schemas.openxmlformats.org/markup-compatibility/2006">
-    <mc:Choice xmlns:p14="http://schemas.microsoft.com/office/powerpoint/2010/main" Requires="p14">
+  <mc:AlternateContent xmlns:mc="http://schemas.openxmlformats.org/markup-compatibility/2006" xmlns:p14="http://schemas.microsoft.com/office/powerpoint/2010/main">
+    <mc:Choice Requires="p14">
       <p:transition p14:dur="300">
         <p:fade/>
       </p:transition>
     </mc:Choice>
-    <mc:Fallback>
+    <mc:Fallback xmlns="">
       <p:transition>
         <p:fade/>
       </p:transition>
@@ -17628,13 +17628,13 @@
     <p:sldLayoutId id="2147483683" r:id="rId11"/>
     <p:sldLayoutId id="2147483684" r:id="rId12"/>
   </p:sldLayoutIdLst>
-  <mc:AlternateContent xmlns:mc="http://schemas.openxmlformats.org/markup-compatibility/2006">
-    <mc:Choice xmlns:p14="http://schemas.microsoft.com/office/powerpoint/2010/main" Requires="p14">
+  <mc:AlternateContent xmlns:mc="http://schemas.openxmlformats.org/markup-compatibility/2006" xmlns:p14="http://schemas.microsoft.com/office/powerpoint/2010/main">
+    <mc:Choice Requires="p14">
       <p:transition p14:dur="300">
         <p:fade/>
       </p:transition>
     </mc:Choice>
-    <mc:Fallback>
+    <mc:Fallback xmlns="">
       <p:transition>
         <p:fade/>
       </p:transition>
@@ -18824,13 +18824,13 @@
   <p:clrMapOvr>
     <a:masterClrMapping/>
   </p:clrMapOvr>
-  <mc:AlternateContent xmlns:mc="http://schemas.openxmlformats.org/markup-compatibility/2006">
-    <mc:Choice xmlns:p14="http://schemas.microsoft.com/office/powerpoint/2010/main" Requires="p14">
+  <mc:AlternateContent xmlns:mc="http://schemas.openxmlformats.org/markup-compatibility/2006" xmlns:p14="http://schemas.microsoft.com/office/powerpoint/2010/main">
+    <mc:Choice Requires="p14">
       <p:transition p14:dur="300">
         <p:fade/>
       </p:transition>
     </mc:Choice>
-    <mc:Fallback>
+    <mc:Fallback xmlns="">
       <p:transition>
         <p:fade/>
       </p:transition>
@@ -19030,13 +19030,13 @@
   <p:clrMapOvr>
     <a:masterClrMapping/>
   </p:clrMapOvr>
-  <mc:AlternateContent xmlns:mc="http://schemas.openxmlformats.org/markup-compatibility/2006">
-    <mc:Choice xmlns:p14="http://schemas.microsoft.com/office/powerpoint/2010/main" Requires="p14">
+  <mc:AlternateContent xmlns:mc="http://schemas.openxmlformats.org/markup-compatibility/2006" xmlns:p14="http://schemas.microsoft.com/office/powerpoint/2010/main">
+    <mc:Choice Requires="p14">
       <p:transition p14:dur="300">
         <p:fade/>
       </p:transition>
     </mc:Choice>
-    <mc:Fallback>
+    <mc:Fallback xmlns="">
       <p:transition>
         <p:fade/>
       </p:transition>
@@ -19259,13 +19259,13 @@
   <p:clrMapOvr>
     <a:masterClrMapping/>
   </p:clrMapOvr>
-  <mc:AlternateContent xmlns:mc="http://schemas.openxmlformats.org/markup-compatibility/2006">
-    <mc:Choice xmlns:p14="http://schemas.microsoft.com/office/powerpoint/2010/main" Requires="p14">
+  <mc:AlternateContent xmlns:mc="http://schemas.openxmlformats.org/markup-compatibility/2006" xmlns:p14="http://schemas.microsoft.com/office/powerpoint/2010/main">
+    <mc:Choice Requires="p14">
       <p:transition p14:dur="300">
         <p:fade/>
       </p:transition>
     </mc:Choice>
-    <mc:Fallback>
+    <mc:Fallback xmlns="">
       <p:transition>
         <p:fade/>
       </p:transition>
@@ -19519,13 +19519,13 @@
   <p:clrMapOvr>
     <a:masterClrMapping/>
   </p:clrMapOvr>
-  <mc:AlternateContent xmlns:mc="http://schemas.openxmlformats.org/markup-compatibility/2006">
-    <mc:Choice xmlns:p14="http://schemas.microsoft.com/office/powerpoint/2010/main" Requires="p14">
+  <mc:AlternateContent xmlns:mc="http://schemas.openxmlformats.org/markup-compatibility/2006" xmlns:p14="http://schemas.microsoft.com/office/powerpoint/2010/main">
+    <mc:Choice Requires="p14">
       <p:transition p14:dur="300">
         <p:fade/>
       </p:transition>
     </mc:Choice>
-    <mc:Fallback>
+    <mc:Fallback xmlns="">
       <p:transition>
         <p:fade/>
       </p:transition>
@@ -19635,13 +19635,13 @@
   <p:clrMapOvr>
     <a:masterClrMapping/>
   </p:clrMapOvr>
-  <mc:AlternateContent xmlns:mc="http://schemas.openxmlformats.org/markup-compatibility/2006">
-    <mc:Choice xmlns:p14="http://schemas.microsoft.com/office/powerpoint/2010/main" Requires="p14">
+  <mc:AlternateContent xmlns:mc="http://schemas.openxmlformats.org/markup-compatibility/2006" xmlns:p14="http://schemas.microsoft.com/office/powerpoint/2010/main">
+    <mc:Choice Requires="p14">
       <p:transition p14:dur="300">
         <p:fade/>
       </p:transition>
     </mc:Choice>
-    <mc:Fallback>
+    <mc:Fallback xmlns="">
       <p:transition>
         <p:fade/>
       </p:transition>
@@ -19889,13 +19889,13 @@
   <p:clrMapOvr>
     <a:masterClrMapping/>
   </p:clrMapOvr>
-  <mc:AlternateContent xmlns:mc="http://schemas.openxmlformats.org/markup-compatibility/2006">
-    <mc:Choice xmlns:p14="http://schemas.microsoft.com/office/powerpoint/2010/main" Requires="p14">
+  <mc:AlternateContent xmlns:mc="http://schemas.openxmlformats.org/markup-compatibility/2006" xmlns:p14="http://schemas.microsoft.com/office/powerpoint/2010/main">
+    <mc:Choice Requires="p14">
       <p:transition p14:dur="300">
         <p:fade/>
       </p:transition>
     </mc:Choice>
-    <mc:Fallback>
+    <mc:Fallback xmlns="">
       <p:transition>
         <p:fade/>
       </p:transition>
@@ -20166,13 +20166,13 @@
   <p:clrMapOvr>
     <a:masterClrMapping/>
   </p:clrMapOvr>
-  <mc:AlternateContent xmlns:mc="http://schemas.openxmlformats.org/markup-compatibility/2006">
-    <mc:Choice xmlns:p14="http://schemas.microsoft.com/office/powerpoint/2010/main" Requires="p14">
+  <mc:AlternateContent xmlns:mc="http://schemas.openxmlformats.org/markup-compatibility/2006" xmlns:p14="http://schemas.microsoft.com/office/powerpoint/2010/main">
+    <mc:Choice Requires="p14">
       <p:transition p14:dur="300">
         <p:fade/>
       </p:transition>
     </mc:Choice>
-    <mc:Fallback>
+    <mc:Fallback xmlns="">
       <p:transition>
         <p:fade/>
       </p:transition>
@@ -20372,13 +20372,13 @@
   <p:clrMapOvr>
     <a:masterClrMapping/>
   </p:clrMapOvr>
-  <mc:AlternateContent xmlns:mc="http://schemas.openxmlformats.org/markup-compatibility/2006">
-    <mc:Choice xmlns:p14="http://schemas.microsoft.com/office/powerpoint/2010/main" Requires="p14">
+  <mc:AlternateContent xmlns:mc="http://schemas.openxmlformats.org/markup-compatibility/2006" xmlns:p14="http://schemas.microsoft.com/office/powerpoint/2010/main">
+    <mc:Choice Requires="p14">
       <p:transition p14:dur="300">
         <p:fade/>
       </p:transition>
     </mc:Choice>
-    <mc:Fallback>
+    <mc:Fallback xmlns="">
       <p:transition>
         <p:fade/>
       </p:transition>
@@ -20614,13 +20614,13 @@
   <p:clrMapOvr>
     <a:masterClrMapping/>
   </p:clrMapOvr>
-  <mc:AlternateContent xmlns:mc="http://schemas.openxmlformats.org/markup-compatibility/2006">
-    <mc:Choice xmlns:p14="http://schemas.microsoft.com/office/powerpoint/2010/main" Requires="p14">
+  <mc:AlternateContent xmlns:mc="http://schemas.openxmlformats.org/markup-compatibility/2006" xmlns:p14="http://schemas.microsoft.com/office/powerpoint/2010/main">
+    <mc:Choice Requires="p14">
       <p:transition p14:dur="300">
         <p:fade/>
       </p:transition>
     </mc:Choice>
-    <mc:Fallback>
+    <mc:Fallback xmlns="">
       <p:transition>
         <p:fade/>
       </p:transition>
@@ -20910,13 +20910,13 @@
   <p:clrMapOvr>
     <a:masterClrMapping/>
   </p:clrMapOvr>
-  <mc:AlternateContent xmlns:mc="http://schemas.openxmlformats.org/markup-compatibility/2006">
-    <mc:Choice xmlns:p14="http://schemas.microsoft.com/office/powerpoint/2010/main" Requires="p14">
+  <mc:AlternateContent xmlns:mc="http://schemas.openxmlformats.org/markup-compatibility/2006" xmlns:p14="http://schemas.microsoft.com/office/powerpoint/2010/main">
+    <mc:Choice Requires="p14">
       <p:transition p14:dur="300">
         <p:fade/>
       </p:transition>
     </mc:Choice>
-    <mc:Fallback>
+    <mc:Fallback xmlns="">
       <p:transition>
         <p:fade/>
       </p:transition>
@@ -21026,13 +21026,13 @@
   <p:clrMapOvr>
     <a:masterClrMapping/>
   </p:clrMapOvr>
-  <mc:AlternateContent xmlns:mc="http://schemas.openxmlformats.org/markup-compatibility/2006">
-    <mc:Choice xmlns:p14="http://schemas.microsoft.com/office/powerpoint/2010/main" Requires="p14">
+  <mc:AlternateContent xmlns:mc="http://schemas.openxmlformats.org/markup-compatibility/2006" xmlns:p14="http://schemas.microsoft.com/office/powerpoint/2010/main">
+    <mc:Choice Requires="p14">
       <p:transition p14:dur="300">
         <p:fade/>
       </p:transition>
     </mc:Choice>
-    <mc:Fallback>
+    <mc:Fallback xmlns="">
       <p:transition>
         <p:fade/>
       </p:transition>
@@ -21141,13 +21141,13 @@
   <p:clrMapOvr>
     <a:masterClrMapping/>
   </p:clrMapOvr>
-  <mc:AlternateContent xmlns:mc="http://schemas.openxmlformats.org/markup-compatibility/2006">
-    <mc:Choice xmlns:p14="http://schemas.microsoft.com/office/powerpoint/2010/main" Requires="p14">
+  <mc:AlternateContent xmlns:mc="http://schemas.openxmlformats.org/markup-compatibility/2006" xmlns:p14="http://schemas.microsoft.com/office/powerpoint/2010/main">
+    <mc:Choice Requires="p14">
       <p:transition p14:dur="300">
         <p:fade/>
       </p:transition>
     </mc:Choice>
-    <mc:Fallback>
+    <mc:Fallback xmlns="">
       <p:transition>
         <p:fade/>
       </p:transition>
@@ -21317,13 +21317,13 @@
   <p:clrMapOvr>
     <a:masterClrMapping/>
   </p:clrMapOvr>
-  <mc:AlternateContent xmlns:mc="http://schemas.openxmlformats.org/markup-compatibility/2006">
-    <mc:Choice xmlns:p14="http://schemas.microsoft.com/office/powerpoint/2010/main" Requires="p14">
+  <mc:AlternateContent xmlns:mc="http://schemas.openxmlformats.org/markup-compatibility/2006" xmlns:p14="http://schemas.microsoft.com/office/powerpoint/2010/main">
+    <mc:Choice Requires="p14">
       <p:transition p14:dur="300">
         <p:fade/>
       </p:transition>
     </mc:Choice>
-    <mc:Fallback>
+    <mc:Fallback xmlns="">
       <p:transition>
         <p:fade/>
       </p:transition>
@@ -21577,13 +21577,13 @@
   <p:clrMapOvr>
     <a:masterClrMapping/>
   </p:clrMapOvr>
-  <mc:AlternateContent xmlns:mc="http://schemas.openxmlformats.org/markup-compatibility/2006">
-    <mc:Choice xmlns:p14="http://schemas.microsoft.com/office/powerpoint/2010/main" Requires="p14">
+  <mc:AlternateContent xmlns:mc="http://schemas.openxmlformats.org/markup-compatibility/2006" xmlns:p14="http://schemas.microsoft.com/office/powerpoint/2010/main">
+    <mc:Choice Requires="p14">
       <p:transition p14:dur="300">
         <p:fade/>
       </p:transition>
     </mc:Choice>
-    <mc:Fallback>
+    <mc:Fallback xmlns="">
       <p:transition>
         <p:fade/>
       </p:transition>
@@ -21795,13 +21795,13 @@
   <p:clrMapOvr>
     <a:masterClrMapping/>
   </p:clrMapOvr>
-  <mc:AlternateContent xmlns:mc="http://schemas.openxmlformats.org/markup-compatibility/2006">
-    <mc:Choice xmlns:p14="http://schemas.microsoft.com/office/powerpoint/2010/main" Requires="p14">
+  <mc:AlternateContent xmlns:mc="http://schemas.openxmlformats.org/markup-compatibility/2006" xmlns:p14="http://schemas.microsoft.com/office/powerpoint/2010/main">
+    <mc:Choice Requires="p14">
       <p:transition p14:dur="300">
         <p:fade/>
       </p:transition>
     </mc:Choice>
-    <mc:Fallback>
+    <mc:Fallback xmlns="">
       <p:transition>
         <p:fade/>
       </p:transition>
@@ -22031,13 +22031,13 @@
   <p:clrMapOvr>
     <a:masterClrMapping/>
   </p:clrMapOvr>
-  <mc:AlternateContent xmlns:mc="http://schemas.openxmlformats.org/markup-compatibility/2006">
-    <mc:Choice xmlns:p14="http://schemas.microsoft.com/office/powerpoint/2010/main" Requires="p14">
+  <mc:AlternateContent xmlns:mc="http://schemas.openxmlformats.org/markup-compatibility/2006" xmlns:p14="http://schemas.microsoft.com/office/powerpoint/2010/main">
+    <mc:Choice Requires="p14">
       <p:transition p14:dur="300">
         <p:fade/>
       </p:transition>
     </mc:Choice>
-    <mc:Fallback>
+    <mc:Fallback xmlns="">
       <p:transition>
         <p:fade/>
       </p:transition>
@@ -22147,13 +22147,13 @@
   <p:clrMapOvr>
     <a:masterClrMapping/>
   </p:clrMapOvr>
-  <mc:AlternateContent xmlns:mc="http://schemas.openxmlformats.org/markup-compatibility/2006">
-    <mc:Choice xmlns:p14="http://schemas.microsoft.com/office/powerpoint/2010/main" Requires="p14">
+  <mc:AlternateContent xmlns:mc="http://schemas.openxmlformats.org/markup-compatibility/2006" xmlns:p14="http://schemas.microsoft.com/office/powerpoint/2010/main">
+    <mc:Choice Requires="p14">
       <p:transition p14:dur="300">
         <p:fade/>
       </p:transition>
     </mc:Choice>
-    <mc:Fallback>
+    <mc:Fallback xmlns="">
       <p:transition>
         <p:fade/>
       </p:transition>
@@ -22263,13 +22263,13 @@
   <p:clrMapOvr>
     <a:masterClrMapping/>
   </p:clrMapOvr>
-  <mc:AlternateContent xmlns:mc="http://schemas.openxmlformats.org/markup-compatibility/2006">
-    <mc:Choice xmlns:p14="http://schemas.microsoft.com/office/powerpoint/2010/main" Requires="p14">
+  <mc:AlternateContent xmlns:mc="http://schemas.openxmlformats.org/markup-compatibility/2006" xmlns:p14="http://schemas.microsoft.com/office/powerpoint/2010/main">
+    <mc:Choice Requires="p14">
       <p:transition p14:dur="300">
         <p:fade/>
       </p:transition>
     </mc:Choice>
-    <mc:Fallback>
+    <mc:Fallback xmlns="">
       <p:transition>
         <p:fade/>
       </p:transition>
@@ -22559,13 +22559,13 @@
   <p:clrMapOvr>
     <a:masterClrMapping/>
   </p:clrMapOvr>
-  <mc:AlternateContent xmlns:mc="http://schemas.openxmlformats.org/markup-compatibility/2006">
-    <mc:Choice xmlns:p14="http://schemas.microsoft.com/office/powerpoint/2010/main" Requires="p14">
+  <mc:AlternateContent xmlns:mc="http://schemas.openxmlformats.org/markup-compatibility/2006" xmlns:p14="http://schemas.microsoft.com/office/powerpoint/2010/main">
+    <mc:Choice Requires="p14">
       <p:transition p14:dur="300">
         <p:fade/>
       </p:transition>
     </mc:Choice>
-    <mc:Fallback>
+    <mc:Fallback xmlns="">
       <p:transition>
         <p:fade/>
       </p:transition>
@@ -22735,13 +22735,13 @@
   <p:clrMapOvr>
     <a:masterClrMapping/>
   </p:clrMapOvr>
-  <mc:AlternateContent xmlns:mc="http://schemas.openxmlformats.org/markup-compatibility/2006">
-    <mc:Choice xmlns:p14="http://schemas.microsoft.com/office/powerpoint/2010/main" Requires="p14">
+  <mc:AlternateContent xmlns:mc="http://schemas.openxmlformats.org/markup-compatibility/2006" xmlns:p14="http://schemas.microsoft.com/office/powerpoint/2010/main">
+    <mc:Choice Requires="p14">
       <p:transition p14:dur="300">
         <p:fade/>
       </p:transition>
     </mc:Choice>
-    <mc:Fallback>
+    <mc:Fallback xmlns="">
       <p:transition>
         <p:fade/>
       </p:transition>
@@ -22851,13 +22851,13 @@
   <p:clrMapOvr>
     <a:masterClrMapping/>
   </p:clrMapOvr>
-  <mc:AlternateContent xmlns:mc="http://schemas.openxmlformats.org/markup-compatibility/2006">
-    <mc:Choice xmlns:p14="http://schemas.microsoft.com/office/powerpoint/2010/main" Requires="p14">
+  <mc:AlternateContent xmlns:mc="http://schemas.openxmlformats.org/markup-compatibility/2006" xmlns:p14="http://schemas.microsoft.com/office/powerpoint/2010/main">
+    <mc:Choice Requires="p14">
       <p:transition p14:dur="300">
         <p:fade/>
       </p:transition>
     </mc:Choice>
-    <mc:Fallback>
+    <mc:Fallback xmlns="">
       <p:transition>
         <p:fade/>
       </p:transition>
@@ -23045,13 +23045,13 @@
   <p:clrMapOvr>
     <a:masterClrMapping/>
   </p:clrMapOvr>
-  <mc:AlternateContent xmlns:mc="http://schemas.openxmlformats.org/markup-compatibility/2006">
-    <mc:Choice xmlns:p14="http://schemas.microsoft.com/office/powerpoint/2010/main" Requires="p14">
+  <mc:AlternateContent xmlns:mc="http://schemas.openxmlformats.org/markup-compatibility/2006" xmlns:p14="http://schemas.microsoft.com/office/powerpoint/2010/main">
+    <mc:Choice Requires="p14">
       <p:transition p14:dur="300">
         <p:fade/>
       </p:transition>
     </mc:Choice>
-    <mc:Fallback>
+    <mc:Fallback xmlns="">
       <p:transition>
         <p:fade/>
       </p:transition>
@@ -23163,13 +23163,13 @@
   <p:clrMapOvr>
     <a:masterClrMapping/>
   </p:clrMapOvr>
-  <mc:AlternateContent xmlns:mc="http://schemas.openxmlformats.org/markup-compatibility/2006">
-    <mc:Choice xmlns:p14="http://schemas.microsoft.com/office/powerpoint/2010/main" Requires="p14">
+  <mc:AlternateContent xmlns:mc="http://schemas.openxmlformats.org/markup-compatibility/2006" xmlns:p14="http://schemas.microsoft.com/office/powerpoint/2010/main">
+    <mc:Choice Requires="p14">
       <p:transition p14:dur="300">
         <p:fade/>
       </p:transition>
     </mc:Choice>
-    <mc:Fallback>
+    <mc:Fallback xmlns="">
       <p:transition>
         <p:fade/>
       </p:transition>
@@ -23273,13 +23273,13 @@
   <p:clrMapOvr>
     <a:masterClrMapping/>
   </p:clrMapOvr>
-  <mc:AlternateContent xmlns:mc="http://schemas.openxmlformats.org/markup-compatibility/2006">
-    <mc:Choice xmlns:p14="http://schemas.microsoft.com/office/powerpoint/2010/main" Requires="p14">
+  <mc:AlternateContent xmlns:mc="http://schemas.openxmlformats.org/markup-compatibility/2006" xmlns:p14="http://schemas.microsoft.com/office/powerpoint/2010/main">
+    <mc:Choice Requires="p14">
       <p:transition p14:dur="300">
         <p:fade/>
       </p:transition>
     </mc:Choice>
-    <mc:Fallback>
+    <mc:Fallback xmlns="">
       <p:transition>
         <p:fade/>
       </p:transition>
@@ -23538,13 +23538,13 @@
   <p:clrMapOvr>
     <a:masterClrMapping/>
   </p:clrMapOvr>
-  <mc:AlternateContent xmlns:mc="http://schemas.openxmlformats.org/markup-compatibility/2006">
-    <mc:Choice xmlns:p14="http://schemas.microsoft.com/office/powerpoint/2010/main" Requires="p14">
+  <mc:AlternateContent xmlns:mc="http://schemas.openxmlformats.org/markup-compatibility/2006" xmlns:p14="http://schemas.microsoft.com/office/powerpoint/2010/main">
+    <mc:Choice Requires="p14">
       <p:transition p14:dur="300">
         <p:fade/>
       </p:transition>
     </mc:Choice>
-    <mc:Fallback>
+    <mc:Fallback xmlns="">
       <p:transition>
         <p:fade/>
       </p:transition>
@@ -23750,13 +23750,13 @@
   <p:clrMapOvr>
     <a:masterClrMapping/>
   </p:clrMapOvr>
-  <mc:AlternateContent xmlns:mc="http://schemas.openxmlformats.org/markup-compatibility/2006">
-    <mc:Choice xmlns:p14="http://schemas.microsoft.com/office/powerpoint/2010/main" Requires="p14">
+  <mc:AlternateContent xmlns:mc="http://schemas.openxmlformats.org/markup-compatibility/2006" xmlns:p14="http://schemas.microsoft.com/office/powerpoint/2010/main">
+    <mc:Choice Requires="p14">
       <p:transition p14:dur="300">
         <p:fade/>
       </p:transition>
     </mc:Choice>
-    <mc:Fallback>
+    <mc:Fallback xmlns="">
       <p:transition>
         <p:fade/>
       </p:transition>
@@ -23998,13 +23998,13 @@
   <p:clrMapOvr>
     <a:masterClrMapping/>
   </p:clrMapOvr>
-  <mc:AlternateContent xmlns:mc="http://schemas.openxmlformats.org/markup-compatibility/2006">
-    <mc:Choice xmlns:p14="http://schemas.microsoft.com/office/powerpoint/2010/main" Requires="p14">
+  <mc:AlternateContent xmlns:mc="http://schemas.openxmlformats.org/markup-compatibility/2006" xmlns:p14="http://schemas.microsoft.com/office/powerpoint/2010/main">
+    <mc:Choice Requires="p14">
       <p:transition p14:dur="300">
         <p:fade/>
       </p:transition>
     </mc:Choice>
-    <mc:Fallback>
+    <mc:Fallback xmlns="">
       <p:transition>
         <p:fade/>
       </p:transition>
@@ -24114,13 +24114,13 @@
   <p:clrMapOvr>
     <a:masterClrMapping/>
   </p:clrMapOvr>
-  <mc:AlternateContent xmlns:mc="http://schemas.openxmlformats.org/markup-compatibility/2006">
-    <mc:Choice xmlns:p14="http://schemas.microsoft.com/office/powerpoint/2010/main" Requires="p14">
+  <mc:AlternateContent xmlns:mc="http://schemas.openxmlformats.org/markup-compatibility/2006" xmlns:p14="http://schemas.microsoft.com/office/powerpoint/2010/main">
+    <mc:Choice Requires="p14">
       <p:transition p14:dur="300">
         <p:fade/>
       </p:transition>
     </mc:Choice>
-    <mc:Fallback>
+    <mc:Fallback xmlns="">
       <p:transition>
         <p:fade/>
       </p:transition>
@@ -24230,13 +24230,13 @@
   <p:clrMapOvr>
     <a:masterClrMapping/>
   </p:clrMapOvr>
-  <mc:AlternateContent xmlns:mc="http://schemas.openxmlformats.org/markup-compatibility/2006">
-    <mc:Choice xmlns:p14="http://schemas.microsoft.com/office/powerpoint/2010/main" Requires="p14">
+  <mc:AlternateContent xmlns:mc="http://schemas.openxmlformats.org/markup-compatibility/2006" xmlns:p14="http://schemas.microsoft.com/office/powerpoint/2010/main">
+    <mc:Choice Requires="p14">
       <p:transition p14:dur="300">
         <p:fade/>
       </p:transition>
     </mc:Choice>
-    <mc:Fallback>
+    <mc:Fallback xmlns="">
       <p:transition>
         <p:fade/>
       </p:transition>
@@ -24460,13 +24460,13 @@
   <p:clrMapOvr>
     <a:masterClrMapping/>
   </p:clrMapOvr>
-  <mc:AlternateContent xmlns:mc="http://schemas.openxmlformats.org/markup-compatibility/2006">
-    <mc:Choice xmlns:p14="http://schemas.microsoft.com/office/powerpoint/2010/main" Requires="p14">
+  <mc:AlternateContent xmlns:mc="http://schemas.openxmlformats.org/markup-compatibility/2006" xmlns:p14="http://schemas.microsoft.com/office/powerpoint/2010/main">
+    <mc:Choice Requires="p14">
       <p:transition p14:dur="300">
         <p:fade/>
       </p:transition>
     </mc:Choice>
-    <mc:Fallback>
+    <mc:Fallback xmlns="">
       <p:transition>
         <p:fade/>
       </p:transition>
@@ -24696,13 +24696,13 @@
   <p:clrMapOvr>
     <a:masterClrMapping/>
   </p:clrMapOvr>
-  <mc:AlternateContent xmlns:mc="http://schemas.openxmlformats.org/markup-compatibility/2006">
-    <mc:Choice xmlns:p14="http://schemas.microsoft.com/office/powerpoint/2010/main" Requires="p14">
+  <mc:AlternateContent xmlns:mc="http://schemas.openxmlformats.org/markup-compatibility/2006" xmlns:p14="http://schemas.microsoft.com/office/powerpoint/2010/main">
+    <mc:Choice Requires="p14">
       <p:transition p14:dur="300">
         <p:fade/>
       </p:transition>
     </mc:Choice>
-    <mc:Fallback>
+    <mc:Fallback xmlns="">
       <p:transition>
         <p:fade/>
       </p:transition>
@@ -24902,13 +24902,13 @@
   <p:clrMapOvr>
     <a:masterClrMapping/>
   </p:clrMapOvr>
-  <mc:AlternateContent xmlns:mc="http://schemas.openxmlformats.org/markup-compatibility/2006">
-    <mc:Choice xmlns:p14="http://schemas.microsoft.com/office/powerpoint/2010/main" Requires="p14">
+  <mc:AlternateContent xmlns:mc="http://schemas.openxmlformats.org/markup-compatibility/2006" xmlns:p14="http://schemas.microsoft.com/office/powerpoint/2010/main">
+    <mc:Choice Requires="p14">
       <p:transition p14:dur="300">
         <p:fade/>
       </p:transition>
     </mc:Choice>
-    <mc:Fallback>
+    <mc:Fallback xmlns="">
       <p:transition>
         <p:fade/>
       </p:transition>
@@ -25168,13 +25168,13 @@
   <p:clrMapOvr>
     <a:masterClrMapping/>
   </p:clrMapOvr>
-  <mc:AlternateContent xmlns:mc="http://schemas.openxmlformats.org/markup-compatibility/2006">
-    <mc:Choice xmlns:p14="http://schemas.microsoft.com/office/powerpoint/2010/main" Requires="p14">
+  <mc:AlternateContent xmlns:mc="http://schemas.openxmlformats.org/markup-compatibility/2006" xmlns:p14="http://schemas.microsoft.com/office/powerpoint/2010/main">
+    <mc:Choice Requires="p14">
       <p:transition p14:dur="300">
         <p:fade/>
       </p:transition>
     </mc:Choice>
-    <mc:Fallback>
+    <mc:Fallback xmlns="">
       <p:transition>
         <p:fade/>
       </p:transition>
@@ -25284,13 +25284,13 @@
   <p:clrMapOvr>
     <a:masterClrMapping/>
   </p:clrMapOvr>
-  <mc:AlternateContent xmlns:mc="http://schemas.openxmlformats.org/markup-compatibility/2006">
-    <mc:Choice xmlns:p14="http://schemas.microsoft.com/office/powerpoint/2010/main" Requires="p14">
+  <mc:AlternateContent xmlns:mc="http://schemas.openxmlformats.org/markup-compatibility/2006" xmlns:p14="http://schemas.microsoft.com/office/powerpoint/2010/main">
+    <mc:Choice Requires="p14">
       <p:transition p14:dur="300">
         <p:fade/>
       </p:transition>
     </mc:Choice>
-    <mc:Fallback>
+    <mc:Fallback xmlns="">
       <p:transition>
         <p:fade/>
       </p:transition>
@@ -25400,13 +25400,13 @@
   <p:clrMapOvr>
     <a:masterClrMapping/>
   </p:clrMapOvr>
-  <mc:AlternateContent xmlns:mc="http://schemas.openxmlformats.org/markup-compatibility/2006">
-    <mc:Choice xmlns:p14="http://schemas.microsoft.com/office/powerpoint/2010/main" Requires="p14">
+  <mc:AlternateContent xmlns:mc="http://schemas.openxmlformats.org/markup-compatibility/2006" xmlns:p14="http://schemas.microsoft.com/office/powerpoint/2010/main">
+    <mc:Choice Requires="p14">
       <p:transition p14:dur="300">
         <p:fade/>
       </p:transition>
     </mc:Choice>
-    <mc:Fallback>
+    <mc:Fallback xmlns="">
       <p:transition>
         <p:fade/>
       </p:transition>
@@ -25606,13 +25606,13 @@
   <p:clrMapOvr>
     <a:masterClrMapping/>
   </p:clrMapOvr>
-  <mc:AlternateContent xmlns:mc="http://schemas.openxmlformats.org/markup-compatibility/2006">
-    <mc:Choice xmlns:p14="http://schemas.microsoft.com/office/powerpoint/2010/main" Requires="p14">
+  <mc:AlternateContent xmlns:mc="http://schemas.openxmlformats.org/markup-compatibility/2006" xmlns:p14="http://schemas.microsoft.com/office/powerpoint/2010/main">
+    <mc:Choice Requires="p14">
       <p:transition p14:dur="300">
         <p:fade/>
       </p:transition>
     </mc:Choice>
-    <mc:Fallback>
+    <mc:Fallback xmlns="">
       <p:transition>
         <p:fade/>
       </p:transition>
@@ -25806,13 +25806,13 @@
   <p:clrMapOvr>
     <a:masterClrMapping/>
   </p:clrMapOvr>
-  <mc:AlternateContent xmlns:mc="http://schemas.openxmlformats.org/markup-compatibility/2006">
-    <mc:Choice xmlns:p14="http://schemas.microsoft.com/office/powerpoint/2010/main" Requires="p14">
+  <mc:AlternateContent xmlns:mc="http://schemas.openxmlformats.org/markup-compatibility/2006" xmlns:p14="http://schemas.microsoft.com/office/powerpoint/2010/main">
+    <mc:Choice Requires="p14">
       <p:transition p14:dur="300">
         <p:fade/>
       </p:transition>
     </mc:Choice>
-    <mc:Fallback>
+    <mc:Fallback xmlns="">
       <p:transition>
         <p:fade/>
       </p:transition>
@@ -26102,13 +26102,13 @@
   <p:clrMapOvr>
     <a:masterClrMapping/>
   </p:clrMapOvr>
-  <mc:AlternateContent xmlns:mc="http://schemas.openxmlformats.org/markup-compatibility/2006">
-    <mc:Choice xmlns:p14="http://schemas.microsoft.com/office/powerpoint/2010/main" Requires="p14">
+  <mc:AlternateContent xmlns:mc="http://schemas.openxmlformats.org/markup-compatibility/2006" xmlns:p14="http://schemas.microsoft.com/office/powerpoint/2010/main">
+    <mc:Choice Requires="p14">
       <p:transition p14:dur="300">
         <p:fade/>
       </p:transition>
     </mc:Choice>
-    <mc:Fallback>
+    <mc:Fallback xmlns="">
       <p:transition>
         <p:fade/>
       </p:transition>
@@ -26211,13 +26211,13 @@
   <p:clrMapOvr>
     <a:masterClrMapping/>
   </p:clrMapOvr>
-  <mc:AlternateContent xmlns:mc="http://schemas.openxmlformats.org/markup-compatibility/2006">
-    <mc:Choice xmlns:p14="http://schemas.microsoft.com/office/powerpoint/2010/main" Requires="p14">
+  <mc:AlternateContent xmlns:mc="http://schemas.openxmlformats.org/markup-compatibility/2006" xmlns:p14="http://schemas.microsoft.com/office/powerpoint/2010/main">
+    <mc:Choice Requires="p14">
       <p:transition p14:dur="300">
         <p:fade/>
       </p:transition>
     </mc:Choice>
-    <mc:Fallback>
+    <mc:Fallback xmlns="">
       <p:transition>
         <p:fade/>
       </p:transition>
@@ -26320,13 +26320,13 @@
   <p:clrMapOvr>
     <a:masterClrMapping/>
   </p:clrMapOvr>
-  <mc:AlternateContent xmlns:mc="http://schemas.openxmlformats.org/markup-compatibility/2006">
-    <mc:Choice xmlns:p14="http://schemas.microsoft.com/office/powerpoint/2010/main" Requires="p14">
+  <mc:AlternateContent xmlns:mc="http://schemas.openxmlformats.org/markup-compatibility/2006" xmlns:p14="http://schemas.microsoft.com/office/powerpoint/2010/main">
+    <mc:Choice Requires="p14">
       <p:transition p14:dur="300">
         <p:fade/>
       </p:transition>
     </mc:Choice>
-    <mc:Fallback>
+    <mc:Fallback xmlns="">
       <p:transition>
         <p:fade/>
       </p:transition>
@@ -26436,13 +26436,13 @@
   <p:clrMapOvr>
     <a:masterClrMapping/>
   </p:clrMapOvr>
-  <mc:AlternateContent xmlns:mc="http://schemas.openxmlformats.org/markup-compatibility/2006">
-    <mc:Choice xmlns:p14="http://schemas.microsoft.com/office/powerpoint/2010/main" Requires="p14">
+  <mc:AlternateContent xmlns:mc="http://schemas.openxmlformats.org/markup-compatibility/2006" xmlns:p14="http://schemas.microsoft.com/office/powerpoint/2010/main">
+    <mc:Choice Requires="p14">
       <p:transition p14:dur="300">
         <p:fade/>
       </p:transition>
     </mc:Choice>
-    <mc:Fallback>
+    <mc:Fallback xmlns="">
       <p:transition>
         <p:fade/>
       </p:transition>
@@ -26618,13 +26618,13 @@
   <p:clrMapOvr>
     <a:masterClrMapping/>
   </p:clrMapOvr>
-  <mc:AlternateContent xmlns:mc="http://schemas.openxmlformats.org/markup-compatibility/2006">
-    <mc:Choice xmlns:p14="http://schemas.microsoft.com/office/powerpoint/2010/main" Requires="p14">
+  <mc:AlternateContent xmlns:mc="http://schemas.openxmlformats.org/markup-compatibility/2006" xmlns:p14="http://schemas.microsoft.com/office/powerpoint/2010/main">
+    <mc:Choice Requires="p14">
       <p:transition p14:dur="300">
         <p:fade/>
       </p:transition>
     </mc:Choice>
-    <mc:Fallback>
+    <mc:Fallback xmlns="">
       <p:transition>
         <p:fade/>
       </p:transition>
@@ -26727,13 +26727,13 @@
   <p:clrMapOvr>
     <a:masterClrMapping/>
   </p:clrMapOvr>
-  <mc:AlternateContent xmlns:mc="http://schemas.openxmlformats.org/markup-compatibility/2006">
-    <mc:Choice xmlns:p14="http://schemas.microsoft.com/office/powerpoint/2010/main" Requires="p14">
+  <mc:AlternateContent xmlns:mc="http://schemas.openxmlformats.org/markup-compatibility/2006" xmlns:p14="http://schemas.microsoft.com/office/powerpoint/2010/main">
+    <mc:Choice Requires="p14">
       <p:transition p14:dur="300">
         <p:fade/>
       </p:transition>
     </mc:Choice>
-    <mc:Fallback>
+    <mc:Fallback xmlns="">
       <p:transition>
         <p:fade/>
       </p:transition>
@@ -26975,13 +26975,13 @@
   <p:clrMapOvr>
     <a:masterClrMapping/>
   </p:clrMapOvr>
-  <mc:AlternateContent xmlns:mc="http://schemas.openxmlformats.org/markup-compatibility/2006">
-    <mc:Choice xmlns:p14="http://schemas.microsoft.com/office/powerpoint/2010/main" Requires="p14">
+  <mc:AlternateContent xmlns:mc="http://schemas.openxmlformats.org/markup-compatibility/2006" xmlns:p14="http://schemas.microsoft.com/office/powerpoint/2010/main">
+    <mc:Choice Requires="p14">
       <p:transition p14:dur="300">
         <p:fade/>
       </p:transition>
     </mc:Choice>
-    <mc:Fallback>
+    <mc:Fallback xmlns="">
       <p:transition>
         <p:fade/>
       </p:transition>
@@ -27085,13 +27085,13 @@
   <p:clrMapOvr>
     <a:masterClrMapping/>
   </p:clrMapOvr>
-  <mc:AlternateContent xmlns:mc="http://schemas.openxmlformats.org/markup-compatibility/2006">
-    <mc:Choice xmlns:p14="http://schemas.microsoft.com/office/powerpoint/2010/main" Requires="p14">
+  <mc:AlternateContent xmlns:mc="http://schemas.openxmlformats.org/markup-compatibility/2006" xmlns:p14="http://schemas.microsoft.com/office/powerpoint/2010/main">
+    <mc:Choice Requires="p14">
       <p:transition p14:dur="300">
         <p:fade/>
       </p:transition>
     </mc:Choice>
-    <mc:Fallback>
+    <mc:Fallback xmlns="">
       <p:transition>
         <p:fade/>
       </p:transition>
@@ -27129,7 +27129,7 @@
         </p:nvSpPr>
         <p:spPr>
           <a:xfrm>
-            <a:off x="0" y="1219199"/>
+            <a:off x="0" y="1429511"/>
             <a:ext cx="12192000" cy="1143000"/>
           </a:xfrm>
           <a:noFill/>
@@ -27453,8 +27453,8 @@
         </p:nvSpPr>
         <p:spPr>
           <a:xfrm>
-            <a:off x="2171700" y="4495801"/>
-            <a:ext cx="7848600" cy="1905000"/>
+            <a:off x="1085850" y="4475989"/>
+            <a:ext cx="10020300" cy="1905000"/>
           </a:xfrm>
           <a:noFill/>
           <a:ln>
@@ -27489,13 +27489,13 @@
   <p:clrMapOvr>
     <a:masterClrMapping/>
   </p:clrMapOvr>
-  <mc:AlternateContent xmlns:mc="http://schemas.openxmlformats.org/markup-compatibility/2006">
-    <mc:Choice xmlns:p14="http://schemas.microsoft.com/office/powerpoint/2010/main" Requires="p14">
+  <mc:AlternateContent xmlns:mc="http://schemas.openxmlformats.org/markup-compatibility/2006" xmlns:p14="http://schemas.microsoft.com/office/powerpoint/2010/main">
+    <mc:Choice Requires="p14">
       <p:transition p14:dur="300">
         <p:fade/>
       </p:transition>
     </mc:Choice>
-    <mc:Fallback>
+    <mc:Fallback xmlns="">
       <p:transition>
         <p:fade/>
       </p:transition>
@@ -27689,13 +27689,13 @@
   <p:clrMapOvr>
     <a:masterClrMapping/>
   </p:clrMapOvr>
-  <mc:AlternateContent xmlns:mc="http://schemas.openxmlformats.org/markup-compatibility/2006">
-    <mc:Choice xmlns:p14="http://schemas.microsoft.com/office/powerpoint/2010/main" Requires="p14">
+  <mc:AlternateContent xmlns:mc="http://schemas.openxmlformats.org/markup-compatibility/2006" xmlns:p14="http://schemas.microsoft.com/office/powerpoint/2010/main">
+    <mc:Choice Requires="p14">
       <p:transition p14:dur="300">
         <p:fade/>
       </p:transition>
     </mc:Choice>
-    <mc:Fallback>
+    <mc:Fallback xmlns="">
       <p:transition>
         <p:fade/>
       </p:transition>
@@ -27901,13 +27901,13 @@
   <p:clrMapOvr>
     <a:masterClrMapping/>
   </p:clrMapOvr>
-  <mc:AlternateContent xmlns:mc="http://schemas.openxmlformats.org/markup-compatibility/2006">
-    <mc:Choice xmlns:p14="http://schemas.microsoft.com/office/powerpoint/2010/main" Requires="p14">
+  <mc:AlternateContent xmlns:mc="http://schemas.openxmlformats.org/markup-compatibility/2006" xmlns:p14="http://schemas.microsoft.com/office/powerpoint/2010/main">
+    <mc:Choice Requires="p14">
       <p:transition p14:dur="300">
         <p:fade/>
       </p:transition>
     </mc:Choice>
-    <mc:Fallback>
+    <mc:Fallback xmlns="">
       <p:transition>
         <p:fade/>
       </p:transition>
@@ -28101,13 +28101,13 @@
   <p:clrMapOvr>
     <a:masterClrMapping/>
   </p:clrMapOvr>
-  <mc:AlternateContent xmlns:mc="http://schemas.openxmlformats.org/markup-compatibility/2006">
-    <mc:Choice xmlns:p14="http://schemas.microsoft.com/office/powerpoint/2010/main" Requires="p14">
+  <mc:AlternateContent xmlns:mc="http://schemas.openxmlformats.org/markup-compatibility/2006" xmlns:p14="http://schemas.microsoft.com/office/powerpoint/2010/main">
+    <mc:Choice Requires="p14">
       <p:transition p14:dur="300">
         <p:fade/>
       </p:transition>
     </mc:Choice>
-    <mc:Fallback>
+    <mc:Fallback xmlns="">
       <p:transition>
         <p:fade/>
       </p:transition>
@@ -28337,13 +28337,13 @@
   <p:clrMapOvr>
     <a:masterClrMapping/>
   </p:clrMapOvr>
-  <mc:AlternateContent xmlns:mc="http://schemas.openxmlformats.org/markup-compatibility/2006">
-    <mc:Choice xmlns:p14="http://schemas.microsoft.com/office/powerpoint/2010/main" Requires="p14">
+  <mc:AlternateContent xmlns:mc="http://schemas.openxmlformats.org/markup-compatibility/2006" xmlns:p14="http://schemas.microsoft.com/office/powerpoint/2010/main">
+    <mc:Choice Requires="p14">
       <p:transition p14:dur="300">
         <p:fade/>
       </p:transition>
     </mc:Choice>
-    <mc:Fallback>
+    <mc:Fallback xmlns="">
       <p:transition>
         <p:fade/>
       </p:transition>
@@ -28597,13 +28597,13 @@
   <p:clrMapOvr>
     <a:masterClrMapping/>
   </p:clrMapOvr>
-  <mc:AlternateContent xmlns:mc="http://schemas.openxmlformats.org/markup-compatibility/2006">
-    <mc:Choice xmlns:p14="http://schemas.microsoft.com/office/powerpoint/2010/main" Requires="p14">
+  <mc:AlternateContent xmlns:mc="http://schemas.openxmlformats.org/markup-compatibility/2006" xmlns:p14="http://schemas.microsoft.com/office/powerpoint/2010/main">
+    <mc:Choice Requires="p14">
       <p:transition p14:dur="300">
         <p:fade/>
       </p:transition>
     </mc:Choice>
-    <mc:Fallback>
+    <mc:Fallback xmlns="">
       <p:transition>
         <p:fade/>
       </p:transition>
@@ -28833,13 +28833,13 @@
   <p:clrMapOvr>
     <a:masterClrMapping/>
   </p:clrMapOvr>
-  <mc:AlternateContent xmlns:mc="http://schemas.openxmlformats.org/markup-compatibility/2006">
-    <mc:Choice xmlns:p14="http://schemas.microsoft.com/office/powerpoint/2010/main" Requires="p14">
+  <mc:AlternateContent xmlns:mc="http://schemas.openxmlformats.org/markup-compatibility/2006" xmlns:p14="http://schemas.microsoft.com/office/powerpoint/2010/main">
+    <mc:Choice Requires="p14">
       <p:transition p14:dur="300">
         <p:fade/>
       </p:transition>
     </mc:Choice>
-    <mc:Fallback>
+    <mc:Fallback xmlns="">
       <p:transition>
         <p:fade/>
       </p:transition>
@@ -28949,13 +28949,13 @@
   <p:clrMapOvr>
     <a:masterClrMapping/>
   </p:clrMapOvr>
-  <mc:AlternateContent xmlns:mc="http://schemas.openxmlformats.org/markup-compatibility/2006">
-    <mc:Choice xmlns:p14="http://schemas.microsoft.com/office/powerpoint/2010/main" Requires="p14">
+  <mc:AlternateContent xmlns:mc="http://schemas.openxmlformats.org/markup-compatibility/2006" xmlns:p14="http://schemas.microsoft.com/office/powerpoint/2010/main">
+    <mc:Choice Requires="p14">
       <p:transition p14:dur="300">
         <p:fade/>
       </p:transition>
     </mc:Choice>
-    <mc:Fallback>
+    <mc:Fallback xmlns="">
       <p:transition>
         <p:fade/>
       </p:transition>
@@ -29143,13 +29143,13 @@
   <p:clrMapOvr>
     <a:masterClrMapping/>
   </p:clrMapOvr>
-  <mc:AlternateContent xmlns:mc="http://schemas.openxmlformats.org/markup-compatibility/2006">
-    <mc:Choice xmlns:p14="http://schemas.microsoft.com/office/powerpoint/2010/main" Requires="p14">
+  <mc:AlternateContent xmlns:mc="http://schemas.openxmlformats.org/markup-compatibility/2006" xmlns:p14="http://schemas.microsoft.com/office/powerpoint/2010/main">
+    <mc:Choice Requires="p14">
       <p:transition p14:dur="300">
         <p:fade/>
       </p:transition>
     </mc:Choice>
-    <mc:Fallback>
+    <mc:Fallback xmlns="">
       <p:transition>
         <p:fade/>
       </p:transition>
@@ -29355,13 +29355,13 @@
   <p:clrMapOvr>
     <a:masterClrMapping/>
   </p:clrMapOvr>
-  <mc:AlternateContent xmlns:mc="http://schemas.openxmlformats.org/markup-compatibility/2006">
-    <mc:Choice xmlns:p14="http://schemas.microsoft.com/office/powerpoint/2010/main" Requires="p14">
+  <mc:AlternateContent xmlns:mc="http://schemas.openxmlformats.org/markup-compatibility/2006" xmlns:p14="http://schemas.microsoft.com/office/powerpoint/2010/main">
+    <mc:Choice Requires="p14">
       <p:transition p14:dur="300">
         <p:fade/>
       </p:transition>
     </mc:Choice>
-    <mc:Fallback>
+    <mc:Fallback xmlns="">
       <p:transition>
         <p:fade/>
       </p:transition>
@@ -29471,13 +29471,13 @@
   <p:clrMapOvr>
     <a:masterClrMapping/>
   </p:clrMapOvr>
-  <mc:AlternateContent xmlns:mc="http://schemas.openxmlformats.org/markup-compatibility/2006">
-    <mc:Choice xmlns:p14="http://schemas.microsoft.com/office/powerpoint/2010/main" Requires="p14">
+  <mc:AlternateContent xmlns:mc="http://schemas.openxmlformats.org/markup-compatibility/2006" xmlns:p14="http://schemas.microsoft.com/office/powerpoint/2010/main">
+    <mc:Choice Requires="p14">
       <p:transition p14:dur="300">
         <p:fade/>
       </p:transition>
     </mc:Choice>
-    <mc:Fallback>
+    <mc:Fallback xmlns="">
       <p:transition>
         <p:fade/>
       </p:transition>
@@ -29659,13 +29659,13 @@
   <p:clrMapOvr>
     <a:masterClrMapping/>
   </p:clrMapOvr>
-  <mc:AlternateContent xmlns:mc="http://schemas.openxmlformats.org/markup-compatibility/2006">
-    <mc:Choice xmlns:p14="http://schemas.microsoft.com/office/powerpoint/2010/main" Requires="p14">
+  <mc:AlternateContent xmlns:mc="http://schemas.openxmlformats.org/markup-compatibility/2006" xmlns:p14="http://schemas.microsoft.com/office/powerpoint/2010/main">
+    <mc:Choice Requires="p14">
       <p:transition p14:dur="300">
         <p:fade/>
       </p:transition>
     </mc:Choice>
-    <mc:Fallback>
+    <mc:Fallback xmlns="">
       <p:transition>
         <p:fade/>
       </p:transition>
@@ -29835,13 +29835,13 @@
   <p:clrMapOvr>
     <a:masterClrMapping/>
   </p:clrMapOvr>
-  <mc:AlternateContent xmlns:mc="http://schemas.openxmlformats.org/markup-compatibility/2006">
-    <mc:Choice xmlns:p14="http://schemas.microsoft.com/office/powerpoint/2010/main" Requires="p14">
+  <mc:AlternateContent xmlns:mc="http://schemas.openxmlformats.org/markup-compatibility/2006" xmlns:p14="http://schemas.microsoft.com/office/powerpoint/2010/main">
+    <mc:Choice Requires="p14">
       <p:transition p14:dur="300">
         <p:fade/>
       </p:transition>
     </mc:Choice>
-    <mc:Fallback>
+    <mc:Fallback xmlns="">
       <p:transition>
         <p:fade/>
       </p:transition>
@@ -29993,13 +29993,13 @@
   <p:clrMapOvr>
     <a:masterClrMapping/>
   </p:clrMapOvr>
-  <mc:AlternateContent xmlns:mc="http://schemas.openxmlformats.org/markup-compatibility/2006">
-    <mc:Choice xmlns:p14="http://schemas.microsoft.com/office/powerpoint/2010/main" Requires="p14">
+  <mc:AlternateContent xmlns:mc="http://schemas.openxmlformats.org/markup-compatibility/2006" xmlns:p14="http://schemas.microsoft.com/office/powerpoint/2010/main">
+    <mc:Choice Requires="p14">
       <p:transition p14:dur="300">
         <p:fade/>
       </p:transition>
     </mc:Choice>
-    <mc:Fallback>
+    <mc:Fallback xmlns="">
       <p:transition>
         <p:fade/>
       </p:transition>
@@ -30265,13 +30265,13 @@
   <p:clrMapOvr>
     <a:masterClrMapping/>
   </p:clrMapOvr>
-  <mc:AlternateContent xmlns:mc="http://schemas.openxmlformats.org/markup-compatibility/2006">
-    <mc:Choice xmlns:p14="http://schemas.microsoft.com/office/powerpoint/2010/main" Requires="p14">
+  <mc:AlternateContent xmlns:mc="http://schemas.openxmlformats.org/markup-compatibility/2006" xmlns:p14="http://schemas.microsoft.com/office/powerpoint/2010/main">
+    <mc:Choice Requires="p14">
       <p:transition p14:dur="300">
         <p:fade/>
       </p:transition>
     </mc:Choice>
-    <mc:Fallback>
+    <mc:Fallback xmlns="">
       <p:transition>
         <p:fade/>
       </p:transition>
@@ -30441,13 +30441,13 @@
   <p:clrMapOvr>
     <a:masterClrMapping/>
   </p:clrMapOvr>
-  <mc:AlternateContent xmlns:mc="http://schemas.openxmlformats.org/markup-compatibility/2006">
-    <mc:Choice xmlns:p14="http://schemas.microsoft.com/office/powerpoint/2010/main" Requires="p14">
+  <mc:AlternateContent xmlns:mc="http://schemas.openxmlformats.org/markup-compatibility/2006" xmlns:p14="http://schemas.microsoft.com/office/powerpoint/2010/main">
+    <mc:Choice Requires="p14">
       <p:transition p14:dur="300">
         <p:fade/>
       </p:transition>
     </mc:Choice>
-    <mc:Fallback>
+    <mc:Fallback xmlns="">
       <p:transition>
         <p:fade/>
       </p:transition>
@@ -30653,13 +30653,13 @@
   <p:clrMapOvr>
     <a:masterClrMapping/>
   </p:clrMapOvr>
-  <mc:AlternateContent xmlns:mc="http://schemas.openxmlformats.org/markup-compatibility/2006">
-    <mc:Choice xmlns:p14="http://schemas.microsoft.com/office/powerpoint/2010/main" Requires="p14">
+  <mc:AlternateContent xmlns:mc="http://schemas.openxmlformats.org/markup-compatibility/2006" xmlns:p14="http://schemas.microsoft.com/office/powerpoint/2010/main">
+    <mc:Choice Requires="p14">
       <p:transition p14:dur="300">
         <p:fade/>
       </p:transition>
     </mc:Choice>
-    <mc:Fallback>
+    <mc:Fallback xmlns="">
       <p:transition>
         <p:fade/>
       </p:transition>
@@ -30829,13 +30829,13 @@
   <p:clrMapOvr>
     <a:masterClrMapping/>
   </p:clrMapOvr>
-  <mc:AlternateContent xmlns:mc="http://schemas.openxmlformats.org/markup-compatibility/2006">
-    <mc:Choice xmlns:p14="http://schemas.microsoft.com/office/powerpoint/2010/main" Requires="p14">
+  <mc:AlternateContent xmlns:mc="http://schemas.openxmlformats.org/markup-compatibility/2006" xmlns:p14="http://schemas.microsoft.com/office/powerpoint/2010/main">
+    <mc:Choice Requires="p14">
       <p:transition p14:dur="300">
         <p:fade/>
       </p:transition>
     </mc:Choice>
-    <mc:Fallback>
+    <mc:Fallback xmlns="">
       <p:transition>
         <p:fade/>
       </p:transition>
@@ -30945,13 +30945,13 @@
   <p:clrMapOvr>
     <a:masterClrMapping/>
   </p:clrMapOvr>
-  <mc:AlternateContent xmlns:mc="http://schemas.openxmlformats.org/markup-compatibility/2006">
-    <mc:Choice xmlns:p14="http://schemas.microsoft.com/office/powerpoint/2010/main" Requires="p14">
+  <mc:AlternateContent xmlns:mc="http://schemas.openxmlformats.org/markup-compatibility/2006" xmlns:p14="http://schemas.microsoft.com/office/powerpoint/2010/main">
+    <mc:Choice Requires="p14">
       <p:transition p14:dur="300">
         <p:fade/>
       </p:transition>
     </mc:Choice>
-    <mc:Fallback>
+    <mc:Fallback xmlns="">
       <p:transition>
         <p:fade/>
       </p:transition>
@@ -31193,13 +31193,13 @@
   <p:clrMapOvr>
     <a:masterClrMapping/>
   </p:clrMapOvr>
-  <mc:AlternateContent xmlns:mc="http://schemas.openxmlformats.org/markup-compatibility/2006">
-    <mc:Choice xmlns:p14="http://schemas.microsoft.com/office/powerpoint/2010/main" Requires="p14">
+  <mc:AlternateContent xmlns:mc="http://schemas.openxmlformats.org/markup-compatibility/2006" xmlns:p14="http://schemas.microsoft.com/office/powerpoint/2010/main">
+    <mc:Choice Requires="p14">
       <p:transition p14:dur="300">
         <p:fade/>
       </p:transition>
     </mc:Choice>
-    <mc:Fallback>
+    <mc:Fallback xmlns="">
       <p:transition>
         <p:fade/>
       </p:transition>
@@ -31405,13 +31405,13 @@
   <p:clrMapOvr>
     <a:masterClrMapping/>
   </p:clrMapOvr>
-  <mc:AlternateContent xmlns:mc="http://schemas.openxmlformats.org/markup-compatibility/2006">
-    <mc:Choice xmlns:p14="http://schemas.microsoft.com/office/powerpoint/2010/main" Requires="p14">
+  <mc:AlternateContent xmlns:mc="http://schemas.openxmlformats.org/markup-compatibility/2006" xmlns:p14="http://schemas.microsoft.com/office/powerpoint/2010/main">
+    <mc:Choice Requires="p14">
       <p:transition p14:dur="300">
         <p:fade/>
       </p:transition>
     </mc:Choice>
-    <mc:Fallback>
+    <mc:Fallback xmlns="">
       <p:transition>
         <p:fade/>
       </p:transition>
@@ -31557,13 +31557,13 @@
   <p:clrMapOvr>
     <a:masterClrMapping/>
   </p:clrMapOvr>
-  <mc:AlternateContent xmlns:mc="http://schemas.openxmlformats.org/markup-compatibility/2006">
-    <mc:Choice xmlns:p14="http://schemas.microsoft.com/office/powerpoint/2010/main" Requires="p14">
+  <mc:AlternateContent xmlns:mc="http://schemas.openxmlformats.org/markup-compatibility/2006" xmlns:p14="http://schemas.microsoft.com/office/powerpoint/2010/main">
+    <mc:Choice Requires="p14">
       <p:transition p14:dur="300">
         <p:fade/>
       </p:transition>
     </mc:Choice>
-    <mc:Fallback>
+    <mc:Fallback xmlns="">
       <p:transition>
         <p:fade/>
       </p:transition>
@@ -31786,13 +31786,13 @@
   <p:clrMapOvr>
     <a:masterClrMapping/>
   </p:clrMapOvr>
-  <mc:AlternateContent xmlns:mc="http://schemas.openxmlformats.org/markup-compatibility/2006">
-    <mc:Choice xmlns:p14="http://schemas.microsoft.com/office/powerpoint/2010/main" Requires="p14">
+  <mc:AlternateContent xmlns:mc="http://schemas.openxmlformats.org/markup-compatibility/2006" xmlns:p14="http://schemas.microsoft.com/office/powerpoint/2010/main">
+    <mc:Choice Requires="p14">
       <p:transition p14:dur="300">
         <p:fade/>
       </p:transition>
     </mc:Choice>
-    <mc:Fallback>
+    <mc:Fallback xmlns="">
       <p:transition>
         <p:fade/>
       </p:transition>
@@ -31980,13 +31980,13 @@
   <p:clrMapOvr>
     <a:masterClrMapping/>
   </p:clrMapOvr>
-  <mc:AlternateContent xmlns:mc="http://schemas.openxmlformats.org/markup-compatibility/2006">
-    <mc:Choice xmlns:p14="http://schemas.microsoft.com/office/powerpoint/2010/main" Requires="p14">
+  <mc:AlternateContent xmlns:mc="http://schemas.openxmlformats.org/markup-compatibility/2006" xmlns:p14="http://schemas.microsoft.com/office/powerpoint/2010/main">
+    <mc:Choice Requires="p14">
       <p:transition p14:dur="300">
         <p:fade/>
       </p:transition>
     </mc:Choice>
-    <mc:Fallback>
+    <mc:Fallback xmlns="">
       <p:transition>
         <p:fade/>
       </p:transition>
@@ -32252,13 +32252,13 @@
   <p:clrMapOvr>
     <a:masterClrMapping/>
   </p:clrMapOvr>
-  <mc:AlternateContent xmlns:mc="http://schemas.openxmlformats.org/markup-compatibility/2006">
-    <mc:Choice xmlns:p14="http://schemas.microsoft.com/office/powerpoint/2010/main" Requires="p14">
+  <mc:AlternateContent xmlns:mc="http://schemas.openxmlformats.org/markup-compatibility/2006" xmlns:p14="http://schemas.microsoft.com/office/powerpoint/2010/main">
+    <mc:Choice Requires="p14">
       <p:transition p14:dur="300">
         <p:fade/>
       </p:transition>
     </mc:Choice>
-    <mc:Fallback>
+    <mc:Fallback xmlns="">
       <p:transition>
         <p:fade/>
       </p:transition>
@@ -32458,13 +32458,13 @@
   <p:clrMapOvr>
     <a:masterClrMapping/>
   </p:clrMapOvr>
-  <mc:AlternateContent xmlns:mc="http://schemas.openxmlformats.org/markup-compatibility/2006">
-    <mc:Choice xmlns:p14="http://schemas.microsoft.com/office/powerpoint/2010/main" Requires="p14">
+  <mc:AlternateContent xmlns:mc="http://schemas.openxmlformats.org/markup-compatibility/2006" xmlns:p14="http://schemas.microsoft.com/office/powerpoint/2010/main">
+    <mc:Choice Requires="p14">
       <p:transition p14:dur="300">
         <p:fade/>
       </p:transition>
     </mc:Choice>
-    <mc:Fallback>
+    <mc:Fallback xmlns="">
       <p:transition>
         <p:fade/>
       </p:transition>
@@ -32712,13 +32712,13 @@
   <p:clrMapOvr>
     <a:masterClrMapping/>
   </p:clrMapOvr>
-  <mc:AlternateContent xmlns:mc="http://schemas.openxmlformats.org/markup-compatibility/2006">
-    <mc:Choice xmlns:p14="http://schemas.microsoft.com/office/powerpoint/2010/main" Requires="p14">
+  <mc:AlternateContent xmlns:mc="http://schemas.openxmlformats.org/markup-compatibility/2006" xmlns:p14="http://schemas.microsoft.com/office/powerpoint/2010/main">
+    <mc:Choice Requires="p14">
       <p:transition p14:dur="300">
         <p:fade/>
       </p:transition>
     </mc:Choice>
-    <mc:Fallback>
+    <mc:Fallback xmlns="">
       <p:transition>
         <p:fade/>
       </p:transition>
@@ -32900,13 +32900,13 @@
   <p:clrMapOvr>
     <a:masterClrMapping/>
   </p:clrMapOvr>
-  <mc:AlternateContent xmlns:mc="http://schemas.openxmlformats.org/markup-compatibility/2006">
-    <mc:Choice xmlns:p14="http://schemas.microsoft.com/office/powerpoint/2010/main" Requires="p14">
+  <mc:AlternateContent xmlns:mc="http://schemas.openxmlformats.org/markup-compatibility/2006" xmlns:p14="http://schemas.microsoft.com/office/powerpoint/2010/main">
+    <mc:Choice Requires="p14">
       <p:transition p14:dur="300">
         <p:fade/>
       </p:transition>
     </mc:Choice>
-    <mc:Fallback>
+    <mc:Fallback xmlns="">
       <p:transition>
         <p:fade/>
       </p:transition>
@@ -33076,13 +33076,13 @@
   <p:clrMapOvr>
     <a:masterClrMapping/>
   </p:clrMapOvr>
-  <mc:AlternateContent xmlns:mc="http://schemas.openxmlformats.org/markup-compatibility/2006">
-    <mc:Choice xmlns:p14="http://schemas.microsoft.com/office/powerpoint/2010/main" Requires="p14">
+  <mc:AlternateContent xmlns:mc="http://schemas.openxmlformats.org/markup-compatibility/2006" xmlns:p14="http://schemas.microsoft.com/office/powerpoint/2010/main">
+    <mc:Choice Requires="p14">
       <p:transition p14:dur="300">
         <p:fade/>
       </p:transition>
     </mc:Choice>
-    <mc:Fallback>
+    <mc:Fallback xmlns="">
       <p:transition>
         <p:fade/>
       </p:transition>
@@ -33276,13 +33276,13 @@
   <p:clrMapOvr>
     <a:masterClrMapping/>
   </p:clrMapOvr>
-  <mc:AlternateContent xmlns:mc="http://schemas.openxmlformats.org/markup-compatibility/2006">
-    <mc:Choice xmlns:p14="http://schemas.microsoft.com/office/powerpoint/2010/main" Requires="p14">
+  <mc:AlternateContent xmlns:mc="http://schemas.openxmlformats.org/markup-compatibility/2006" xmlns:p14="http://schemas.microsoft.com/office/powerpoint/2010/main">
+    <mc:Choice Requires="p14">
       <p:transition p14:dur="300">
         <p:fade/>
       </p:transition>
     </mc:Choice>
-    <mc:Fallback>
+    <mc:Fallback xmlns="">
       <p:transition>
         <p:fade/>
       </p:transition>
@@ -33385,13 +33385,13 @@
   <p:clrMapOvr>
     <a:masterClrMapping/>
   </p:clrMapOvr>
-  <mc:AlternateContent xmlns:mc="http://schemas.openxmlformats.org/markup-compatibility/2006">
-    <mc:Choice xmlns:p14="http://schemas.microsoft.com/office/powerpoint/2010/main" Requires="p14">
+  <mc:AlternateContent xmlns:mc="http://schemas.openxmlformats.org/markup-compatibility/2006" xmlns:p14="http://schemas.microsoft.com/office/powerpoint/2010/main">
+    <mc:Choice Requires="p14">
       <p:transition p14:dur="300">
         <p:fade/>
       </p:transition>
     </mc:Choice>
-    <mc:Fallback>
+    <mc:Fallback xmlns="">
       <p:transition>
         <p:fade/>
       </p:transition>
@@ -33609,13 +33609,13 @@
   <p:clrMapOvr>
     <a:masterClrMapping/>
   </p:clrMapOvr>
-  <mc:AlternateContent xmlns:mc="http://schemas.openxmlformats.org/markup-compatibility/2006">
-    <mc:Choice xmlns:p14="http://schemas.microsoft.com/office/powerpoint/2010/main" Requires="p14">
+  <mc:AlternateContent xmlns:mc="http://schemas.openxmlformats.org/markup-compatibility/2006" xmlns:p14="http://schemas.microsoft.com/office/powerpoint/2010/main">
+    <mc:Choice Requires="p14">
       <p:transition p14:dur="300">
         <p:fade/>
       </p:transition>
     </mc:Choice>
-    <mc:Fallback>
+    <mc:Fallback xmlns="">
       <p:transition>
         <p:fade/>
       </p:transition>
@@ -33725,13 +33725,13 @@
   <p:clrMapOvr>
     <a:masterClrMapping/>
   </p:clrMapOvr>
-  <mc:AlternateContent xmlns:mc="http://schemas.openxmlformats.org/markup-compatibility/2006">
-    <mc:Choice xmlns:p14="http://schemas.microsoft.com/office/powerpoint/2010/main" Requires="p14">
+  <mc:AlternateContent xmlns:mc="http://schemas.openxmlformats.org/markup-compatibility/2006" xmlns:p14="http://schemas.microsoft.com/office/powerpoint/2010/main">
+    <mc:Choice Requires="p14">
       <p:transition p14:dur="300">
         <p:fade/>
       </p:transition>
     </mc:Choice>
-    <mc:Fallback>
+    <mc:Fallback xmlns="">
       <p:transition>
         <p:fade/>
       </p:transition>
@@ -33973,13 +33973,13 @@
   <p:clrMapOvr>
     <a:masterClrMapping/>
   </p:clrMapOvr>
-  <mc:AlternateContent xmlns:mc="http://schemas.openxmlformats.org/markup-compatibility/2006">
-    <mc:Choice xmlns:p14="http://schemas.microsoft.com/office/powerpoint/2010/main" Requires="p14">
+  <mc:AlternateContent xmlns:mc="http://schemas.openxmlformats.org/markup-compatibility/2006" xmlns:p14="http://schemas.microsoft.com/office/powerpoint/2010/main">
+    <mc:Choice Requires="p14">
       <p:transition p14:dur="300">
         <p:fade/>
       </p:transition>
     </mc:Choice>
-    <mc:Fallback>
+    <mc:Fallback xmlns="">
       <p:transition>
         <p:fade/>
       </p:transition>
@@ -34221,13 +34221,13 @@
   <p:clrMapOvr>
     <a:masterClrMapping/>
   </p:clrMapOvr>
-  <mc:AlternateContent xmlns:mc="http://schemas.openxmlformats.org/markup-compatibility/2006">
-    <mc:Choice xmlns:p14="http://schemas.microsoft.com/office/powerpoint/2010/main" Requires="p14">
+  <mc:AlternateContent xmlns:mc="http://schemas.openxmlformats.org/markup-compatibility/2006" xmlns:p14="http://schemas.microsoft.com/office/powerpoint/2010/main">
+    <mc:Choice Requires="p14">
       <p:transition p14:dur="300">
         <p:fade/>
       </p:transition>
     </mc:Choice>
-    <mc:Fallback>
+    <mc:Fallback xmlns="">
       <p:transition>
         <p:fade/>
       </p:transition>
@@ -34457,13 +34457,13 @@
   <p:clrMapOvr>
     <a:masterClrMapping/>
   </p:clrMapOvr>
-  <mc:AlternateContent xmlns:mc="http://schemas.openxmlformats.org/markup-compatibility/2006">
-    <mc:Choice xmlns:p14="http://schemas.microsoft.com/office/powerpoint/2010/main" Requires="p14">
+  <mc:AlternateContent xmlns:mc="http://schemas.openxmlformats.org/markup-compatibility/2006" xmlns:p14="http://schemas.microsoft.com/office/powerpoint/2010/main">
+    <mc:Choice Requires="p14">
       <p:transition p14:dur="300">
         <p:fade/>
       </p:transition>
     </mc:Choice>
-    <mc:Fallback>
+    <mc:Fallback xmlns="">
       <p:transition>
         <p:fade/>
       </p:transition>
@@ -34573,13 +34573,13 @@
   <p:clrMapOvr>
     <a:masterClrMapping/>
   </p:clrMapOvr>
-  <mc:AlternateContent xmlns:mc="http://schemas.openxmlformats.org/markup-compatibility/2006">
-    <mc:Choice xmlns:p14="http://schemas.microsoft.com/office/powerpoint/2010/main" Requires="p14">
+  <mc:AlternateContent xmlns:mc="http://schemas.openxmlformats.org/markup-compatibility/2006" xmlns:p14="http://schemas.microsoft.com/office/powerpoint/2010/main">
+    <mc:Choice Requires="p14">
       <p:transition p14:dur="300">
         <p:fade/>
       </p:transition>
     </mc:Choice>
-    <mc:Fallback>
+    <mc:Fallback xmlns="">
       <p:transition>
         <p:fade/>
       </p:transition>
@@ -34857,13 +34857,13 @@
   <p:clrMapOvr>
     <a:masterClrMapping/>
   </p:clrMapOvr>
-  <mc:AlternateContent xmlns:mc="http://schemas.openxmlformats.org/markup-compatibility/2006">
-    <mc:Choice xmlns:p14="http://schemas.microsoft.com/office/powerpoint/2010/main" Requires="p14">
+  <mc:AlternateContent xmlns:mc="http://schemas.openxmlformats.org/markup-compatibility/2006" xmlns:p14="http://schemas.microsoft.com/office/powerpoint/2010/main">
+    <mc:Choice Requires="p14">
       <p:transition p14:dur="300">
         <p:fade/>
       </p:transition>
     </mc:Choice>
-    <mc:Fallback>
+    <mc:Fallback xmlns="">
       <p:transition>
         <p:fade/>
       </p:transition>
@@ -34973,13 +34973,13 @@
   <p:clrMapOvr>
     <a:masterClrMapping/>
   </p:clrMapOvr>
-  <mc:AlternateContent xmlns:mc="http://schemas.openxmlformats.org/markup-compatibility/2006">
-    <mc:Choice xmlns:p14="http://schemas.microsoft.com/office/powerpoint/2010/main" Requires="p14">
+  <mc:AlternateContent xmlns:mc="http://schemas.openxmlformats.org/markup-compatibility/2006" xmlns:p14="http://schemas.microsoft.com/office/powerpoint/2010/main">
+    <mc:Choice Requires="p14">
       <p:transition p14:dur="300">
         <p:fade/>
       </p:transition>
     </mc:Choice>
-    <mc:Fallback>
+    <mc:Fallback xmlns="">
       <p:transition>
         <p:fade/>
       </p:transition>
@@ -35185,13 +35185,13 @@
   <p:clrMapOvr>
     <a:masterClrMapping/>
   </p:clrMapOvr>
-  <mc:AlternateContent xmlns:mc="http://schemas.openxmlformats.org/markup-compatibility/2006">
-    <mc:Choice xmlns:p14="http://schemas.microsoft.com/office/powerpoint/2010/main" Requires="p14">
+  <mc:AlternateContent xmlns:mc="http://schemas.openxmlformats.org/markup-compatibility/2006" xmlns:p14="http://schemas.microsoft.com/office/powerpoint/2010/main">
+    <mc:Choice Requires="p14">
       <p:transition p14:dur="300">
         <p:fade/>
       </p:transition>
     </mc:Choice>
-    <mc:Fallback>
+    <mc:Fallback xmlns="">
       <p:transition>
         <p:fade/>
       </p:transition>
@@ -35305,13 +35305,13 @@
   <p:clrMapOvr>
     <a:masterClrMapping/>
   </p:clrMapOvr>
-  <mc:AlternateContent xmlns:mc="http://schemas.openxmlformats.org/markup-compatibility/2006">
-    <mc:Choice xmlns:p14="http://schemas.microsoft.com/office/powerpoint/2010/main" Requires="p14">
+  <mc:AlternateContent xmlns:mc="http://schemas.openxmlformats.org/markup-compatibility/2006" xmlns:p14="http://schemas.microsoft.com/office/powerpoint/2010/main">
+    <mc:Choice Requires="p14">
       <p:transition p14:dur="300">
         <p:fade/>
       </p:transition>
     </mc:Choice>
-    <mc:Fallback>
+    <mc:Fallback xmlns="">
       <p:transition>
         <p:fade/>
       </p:transition>
@@ -35699,13 +35699,13 @@
   <p:clrMapOvr>
     <a:masterClrMapping/>
   </p:clrMapOvr>
-  <mc:AlternateContent xmlns:mc="http://schemas.openxmlformats.org/markup-compatibility/2006">
-    <mc:Choice xmlns:p14="http://schemas.microsoft.com/office/powerpoint/2010/main" Requires="p14">
+  <mc:AlternateContent xmlns:mc="http://schemas.openxmlformats.org/markup-compatibility/2006" xmlns:p14="http://schemas.microsoft.com/office/powerpoint/2010/main">
+    <mc:Choice Requires="p14">
       <p:transition p14:dur="300">
         <p:fade/>
       </p:transition>
     </mc:Choice>
-    <mc:Fallback>
+    <mc:Fallback xmlns="">
       <p:transition>
         <p:fade/>
       </p:transition>
@@ -35893,13 +35893,13 @@
   <p:clrMapOvr>
     <a:masterClrMapping/>
   </p:clrMapOvr>
-  <mc:AlternateContent xmlns:mc="http://schemas.openxmlformats.org/markup-compatibility/2006">
-    <mc:Choice xmlns:p14="http://schemas.microsoft.com/office/powerpoint/2010/main" Requires="p14">
+  <mc:AlternateContent xmlns:mc="http://schemas.openxmlformats.org/markup-compatibility/2006" xmlns:p14="http://schemas.microsoft.com/office/powerpoint/2010/main">
+    <mc:Choice Requires="p14">
       <p:transition p14:dur="300">
         <p:fade/>
       </p:transition>
     </mc:Choice>
-    <mc:Fallback>
+    <mc:Fallback xmlns="">
       <p:transition>
         <p:fade/>
       </p:transition>

--- a/PPTs/Surah Yaseen.pptx
+++ b/PPTs/Surah Yaseen.pptx
@@ -211,7 +211,7 @@
       </p15:sldGuideLst>
     </p:ext>
     <p:ext uri="http://customooxmlschemas.google.com/">
-      <go:slidesCustomData xmlns:go="http://customooxmlschemas.google.com/" xmlns:ahyp="http://schemas.microsoft.com/office/drawing/2018/hyperlinkcolor" xmlns:p15="http://schemas.microsoft.com/office/powerpoint/2012/main" xmlns:p14="http://schemas.microsoft.com/office/powerpoint/2010/main" xmlns:com="http://schemas.openxmlformats.org/drawingml/2006/compatibility" xmlns:pvml="urn:schemas-microsoft-com:office:powerpoint" xmlns:v="urn:schemas-microsoft-com:vml" xmlns:o="urn:schemas-microsoft-com:office:office" xmlns:dgm="http://schemas.openxmlformats.org/drawingml/2006/diagram" xmlns:c="http://schemas.openxmlformats.org/drawingml/2006/chart" xmlns:mv="urn:schemas-microsoft-com:mac:vml" xmlns:mc="http://schemas.openxmlformats.org/markup-compatibility/2006" xmlns="" r:id="rId97" roundtripDataSignature="AMtx7mgIZbOWw9L6mHKAiFYRw3XXwlu9nQ=="/>
+      <go:slidesCustomData xmlns="" xmlns:mc="http://schemas.openxmlformats.org/markup-compatibility/2006" xmlns:mv="urn:schemas-microsoft-com:mac:vml" xmlns:c="http://schemas.openxmlformats.org/drawingml/2006/chart" xmlns:dgm="http://schemas.openxmlformats.org/drawingml/2006/diagram" xmlns:o="urn:schemas-microsoft-com:office:office" xmlns:v="urn:schemas-microsoft-com:vml" xmlns:pvml="urn:schemas-microsoft-com:office:powerpoint" xmlns:com="http://schemas.openxmlformats.org/drawingml/2006/compatibility" xmlns:p14="http://schemas.microsoft.com/office/powerpoint/2010/main" xmlns:p15="http://schemas.microsoft.com/office/powerpoint/2012/main" xmlns:ahyp="http://schemas.microsoft.com/office/drawing/2018/hyperlinkcolor" xmlns:go="http://customooxmlschemas.google.com/" r:id="rId97" roundtripDataSignature="AMtx7mgIZbOWw9L6mHKAiFYRw3XXwlu9nQ=="/>
     </p:ext>
   </p:extLst>
 </p:presentation>
@@ -18404,41 +18404,7 @@
                 <a:ea typeface="Calibri Light" panose="020F0302020204030204" pitchFamily="34" charset="0"/>
                 <a:cs typeface="Calibri Light" panose="020F0302020204030204" pitchFamily="34" charset="0"/>
               </a:rPr>
-              <a:t>And We desired to show </a:t>
-            </a:r>
-            <a:r>
-              <a:rPr kumimoji="0" lang="en-US" sz="1400" b="0" i="1" u="none" strike="noStrike" kern="1200" cap="none" spc="0" normalizeH="0" baseline="0" noProof="0" dirty="0" err="1">
-                <a:ln>
-                  <a:noFill/>
-                </a:ln>
-                <a:solidFill>
-                  <a:srgbClr val="127274"/>
-                </a:solidFill>
-                <a:effectLst/>
-                <a:uLnTx/>
-                <a:uFillTx/>
-                <a:latin typeface="Calibri Light" panose="020F0302020204030204" pitchFamily="34" charset="0"/>
-                <a:ea typeface="Calibri Light" panose="020F0302020204030204" pitchFamily="34" charset="0"/>
-                <a:cs typeface="Calibri Light" panose="020F0302020204030204" pitchFamily="34" charset="0"/>
-              </a:rPr>
-              <a:t>favour</a:t>
-            </a:r>
-            <a:r>
-              <a:rPr kumimoji="0" lang="en-US" sz="1400" b="0" i="1" u="none" strike="noStrike" kern="1200" cap="none" spc="0" normalizeH="0" baseline="0" noProof="0" dirty="0">
-                <a:ln>
-                  <a:noFill/>
-                </a:ln>
-                <a:solidFill>
-                  <a:srgbClr val="127274"/>
-                </a:solidFill>
-                <a:effectLst/>
-                <a:uLnTx/>
-                <a:uFillTx/>
-                <a:latin typeface="Calibri Light" panose="020F0302020204030204" pitchFamily="34" charset="0"/>
-                <a:ea typeface="Calibri Light" panose="020F0302020204030204" pitchFamily="34" charset="0"/>
-                <a:cs typeface="Calibri Light" panose="020F0302020204030204" pitchFamily="34" charset="0"/>
-              </a:rPr>
-              <a:t> upon those who were abased in the land, </a:t>
+              <a:t>And We desired to show favor upon those who were abased in the land, </a:t>
             </a:r>
           </a:p>
           <a:p>
@@ -18513,7 +18479,7 @@
               <a:t>(Surah </a:t>
             </a:r>
             <a:r>
-              <a:rPr kumimoji="0" lang="en-US" sz="1200" b="0" i="1" u="none" strike="noStrike" kern="1200" cap="none" spc="0" normalizeH="0" baseline="0" noProof="0" dirty="0" err="1">
+              <a:rPr kumimoji="0" lang="en-US" sz="1200" b="0" i="1" u="none" strike="noStrike" kern="1200" cap="none" spc="0" normalizeH="0" baseline="0" noProof="0">
                 <a:ln>
                   <a:noFill/>
                 </a:ln>
@@ -18527,7 +18493,7 @@
                 <a:ea typeface="Calibri Light" panose="020F0302020204030204" pitchFamily="34" charset="0"/>
                 <a:cs typeface="Calibri Light" panose="020F0302020204030204" pitchFamily="34" charset="0"/>
               </a:rPr>
-              <a:t>Qasas</a:t>
+              <a:t>Qasas: </a:t>
             </a:r>
             <a:r>
               <a:rPr kumimoji="0" lang="en-US" sz="1200" b="0" i="1" u="none" strike="noStrike" kern="1200" cap="none" spc="0" normalizeH="0" baseline="0" noProof="0" dirty="0">
@@ -18544,7 +18510,7 @@
                 <a:ea typeface="Calibri Light" panose="020F0302020204030204" pitchFamily="34" charset="0"/>
                 <a:cs typeface="Calibri Light" panose="020F0302020204030204" pitchFamily="34" charset="0"/>
               </a:rPr>
-              <a:t> : 5)</a:t>
+              <a:t>5)</a:t>
             </a:r>
             <a:endParaRPr kumimoji="0" lang="en-CA" sz="1200" b="0" i="1" u="none" strike="noStrike" kern="1200" cap="none" spc="0" normalizeH="0" baseline="0" noProof="0" dirty="0">
               <a:ln>
